--- a/traktor/pics/traktor_elastic_beatgrids.pptx
+++ b/traktor/pics/traktor_elastic_beatgrids.pptx
@@ -6,6 +6,7 @@
   </p:sldMasterIdLst>
   <p:sldIdLst>
     <p:sldId id="256" r:id="rId2"/>
+    <p:sldId id="257" r:id="rId3"/>
   </p:sldIdLst>
   <p:sldSz cx="9144000" cy="6858000" type="screen4x3"/>
   <p:notesSz cx="6858000" cy="9144000"/>
@@ -289,7 +290,7 @@
             <a:fld id="{1D8BD707-D9CF-40AE-B4C6-C98DA3205C09}" type="datetimeFigureOut">
               <a:rPr lang="en-US" smtClean="0"/>
               <a:pPr/>
-              <a:t>2/2/2020</a:t>
+              <a:t>4/11/2020</a:t>
             </a:fld>
             <a:endParaRPr lang="en-US"/>
           </a:p>
@@ -456,7 +457,7 @@
             <a:fld id="{1D8BD707-D9CF-40AE-B4C6-C98DA3205C09}" type="datetimeFigureOut">
               <a:rPr lang="en-US" smtClean="0"/>
               <a:pPr/>
-              <a:t>2/2/2020</a:t>
+              <a:t>4/11/2020</a:t>
             </a:fld>
             <a:endParaRPr lang="en-US"/>
           </a:p>
@@ -633,7 +634,7 @@
             <a:fld id="{1D8BD707-D9CF-40AE-B4C6-C98DA3205C09}" type="datetimeFigureOut">
               <a:rPr lang="en-US" smtClean="0"/>
               <a:pPr/>
-              <a:t>2/2/2020</a:t>
+              <a:t>4/11/2020</a:t>
             </a:fld>
             <a:endParaRPr lang="en-US"/>
           </a:p>
@@ -800,7 +801,7 @@
             <a:fld id="{1D8BD707-D9CF-40AE-B4C6-C98DA3205C09}" type="datetimeFigureOut">
               <a:rPr lang="en-US" smtClean="0"/>
               <a:pPr/>
-              <a:t>2/2/2020</a:t>
+              <a:t>4/11/2020</a:t>
             </a:fld>
             <a:endParaRPr lang="en-US"/>
           </a:p>
@@ -1043,7 +1044,7 @@
             <a:fld id="{1D8BD707-D9CF-40AE-B4C6-C98DA3205C09}" type="datetimeFigureOut">
               <a:rPr lang="en-US" smtClean="0"/>
               <a:pPr/>
-              <a:t>2/2/2020</a:t>
+              <a:t>4/11/2020</a:t>
             </a:fld>
             <a:endParaRPr lang="en-US"/>
           </a:p>
@@ -1328,7 +1329,7 @@
             <a:fld id="{1D8BD707-D9CF-40AE-B4C6-C98DA3205C09}" type="datetimeFigureOut">
               <a:rPr lang="en-US" smtClean="0"/>
               <a:pPr/>
-              <a:t>2/2/2020</a:t>
+              <a:t>4/11/2020</a:t>
             </a:fld>
             <a:endParaRPr lang="en-US"/>
           </a:p>
@@ -1747,7 +1748,7 @@
             <a:fld id="{1D8BD707-D9CF-40AE-B4C6-C98DA3205C09}" type="datetimeFigureOut">
               <a:rPr lang="en-US" smtClean="0"/>
               <a:pPr/>
-              <a:t>2/2/2020</a:t>
+              <a:t>4/11/2020</a:t>
             </a:fld>
             <a:endParaRPr lang="en-US"/>
           </a:p>
@@ -1862,7 +1863,7 @@
             <a:fld id="{1D8BD707-D9CF-40AE-B4C6-C98DA3205C09}" type="datetimeFigureOut">
               <a:rPr lang="en-US" smtClean="0"/>
               <a:pPr/>
-              <a:t>2/2/2020</a:t>
+              <a:t>4/11/2020</a:t>
             </a:fld>
             <a:endParaRPr lang="en-US"/>
           </a:p>
@@ -1954,7 +1955,7 @@
             <a:fld id="{1D8BD707-D9CF-40AE-B4C6-C98DA3205C09}" type="datetimeFigureOut">
               <a:rPr lang="en-US" smtClean="0"/>
               <a:pPr/>
-              <a:t>2/2/2020</a:t>
+              <a:t>4/11/2020</a:t>
             </a:fld>
             <a:endParaRPr lang="en-US"/>
           </a:p>
@@ -2228,7 +2229,7 @@
             <a:fld id="{1D8BD707-D9CF-40AE-B4C6-C98DA3205C09}" type="datetimeFigureOut">
               <a:rPr lang="en-US" smtClean="0"/>
               <a:pPr/>
-              <a:t>2/2/2020</a:t>
+              <a:t>4/11/2020</a:t>
             </a:fld>
             <a:endParaRPr lang="en-US"/>
           </a:p>
@@ -2478,7 +2479,7 @@
             <a:fld id="{1D8BD707-D9CF-40AE-B4C6-C98DA3205C09}" type="datetimeFigureOut">
               <a:rPr lang="en-US" smtClean="0"/>
               <a:pPr/>
-              <a:t>2/2/2020</a:t>
+              <a:t>4/11/2020</a:t>
             </a:fld>
             <a:endParaRPr lang="en-US"/>
           </a:p>
@@ -2688,7 +2689,7 @@
             <a:fld id="{1D8BD707-D9CF-40AE-B4C6-C98DA3205C09}" type="datetimeFigureOut">
               <a:rPr lang="en-US" smtClean="0"/>
               <a:pPr/>
-              <a:t>2/2/2020</a:t>
+              <a:t>4/11/2020</a:t>
             </a:fld>
             <a:endParaRPr lang="en-US"/>
           </a:p>
@@ -3858,6 +3859,827 @@
 </p:sld>
 </file>
 
+<file path=ppt/slides/slide2.xml><?xml version="1.0" encoding="utf-8"?>
+<p:sld xmlns:a="http://schemas.openxmlformats.org/drawingml/2006/main" xmlns:r="http://schemas.openxmlformats.org/officeDocument/2006/relationships" xmlns:p="http://schemas.openxmlformats.org/presentationml/2006/main">
+  <p:cSld>
+    <p:spTree>
+      <p:nvGrpSpPr>
+        <p:cNvPr id="1" name=""/>
+        <p:cNvGrpSpPr/>
+        <p:nvPr/>
+      </p:nvGrpSpPr>
+      <p:grpSpPr>
+        <a:xfrm>
+          <a:off x="0" y="0"/>
+          <a:ext cx="0" cy="0"/>
+          <a:chOff x="0" y="0"/>
+          <a:chExt cx="0" cy="0"/>
+        </a:xfrm>
+      </p:grpSpPr>
+      <p:pic>
+        <p:nvPicPr>
+          <p:cNvPr id="1026" name="Picture 2"/>
+          <p:cNvPicPr>
+            <a:picLocks noChangeAspect="1" noChangeArrowheads="1"/>
+          </p:cNvPicPr>
+          <p:nvPr/>
+        </p:nvPicPr>
+        <p:blipFill rotWithShape="1">
+          <a:blip r:embed="rId2">
+            <a:extLst>
+              <a:ext uri="{28A0092B-C50C-407E-A947-70E740481C1C}">
+                <a14:useLocalDpi xmlns:a14="http://schemas.microsoft.com/office/drawing/2010/main" val="0"/>
+              </a:ext>
+            </a:extLst>
+          </a:blip>
+          <a:srcRect l="875" t="1333" r="1563" b="2667"/>
+          <a:stretch/>
+        </p:blipFill>
+        <p:spPr bwMode="auto">
+          <a:xfrm>
+            <a:off x="3078975" y="2190115"/>
+            <a:ext cx="3256775" cy="1763066"/>
+          </a:xfrm>
+          <a:prstGeom prst="rect">
+            <a:avLst/>
+          </a:prstGeom>
+          <a:noFill/>
+          <a:ln>
+            <a:noFill/>
+          </a:ln>
+          <a:extLst>
+            <a:ext uri="{909E8E84-426E-40DD-AFC4-6F175D3DCCD1}">
+              <a14:hiddenFill xmlns:a14="http://schemas.microsoft.com/office/drawing/2010/main">
+                <a:solidFill>
+                  <a:schemeClr val="accent1"/>
+                </a:solidFill>
+              </a14:hiddenFill>
+            </a:ext>
+            <a:ext uri="{91240B29-F687-4F45-9708-019B960494DF}">
+              <a14:hiddenLine xmlns:a14="http://schemas.microsoft.com/office/drawing/2010/main" w="9525">
+                <a:solidFill>
+                  <a:schemeClr val="tx1"/>
+                </a:solidFill>
+                <a:miter lim="800000"/>
+                <a:headEnd/>
+                <a:tailEnd/>
+              </a14:hiddenLine>
+            </a:ext>
+          </a:extLst>
+        </p:spPr>
+      </p:pic>
+      <p:pic>
+        <p:nvPicPr>
+          <p:cNvPr id="1027" name="Picture 3"/>
+          <p:cNvPicPr>
+            <a:picLocks noChangeAspect="1" noChangeArrowheads="1"/>
+          </p:cNvPicPr>
+          <p:nvPr/>
+        </p:nvPicPr>
+        <p:blipFill rotWithShape="1">
+          <a:blip r:embed="rId3">
+            <a:extLst>
+              <a:ext uri="{28A0092B-C50C-407E-A947-70E740481C1C}">
+                <a14:useLocalDpi xmlns:a14="http://schemas.microsoft.com/office/drawing/2010/main" val="0"/>
+              </a:ext>
+            </a:extLst>
+          </a:blip>
+          <a:srcRect l="543" t="4178" r="2384" b="1334"/>
+          <a:stretch/>
+        </p:blipFill>
+        <p:spPr bwMode="auto">
+          <a:xfrm>
+            <a:off x="3066646" y="4114800"/>
+            <a:ext cx="3280606" cy="1714932"/>
+          </a:xfrm>
+          <a:prstGeom prst="rect">
+            <a:avLst/>
+          </a:prstGeom>
+          <a:noFill/>
+          <a:ln>
+            <a:noFill/>
+          </a:ln>
+          <a:extLst>
+            <a:ext uri="{909E8E84-426E-40DD-AFC4-6F175D3DCCD1}">
+              <a14:hiddenFill xmlns:a14="http://schemas.microsoft.com/office/drawing/2010/main">
+                <a:solidFill>
+                  <a:schemeClr val="accent1"/>
+                </a:solidFill>
+              </a14:hiddenFill>
+            </a:ext>
+            <a:ext uri="{91240B29-F687-4F45-9708-019B960494DF}">
+              <a14:hiddenLine xmlns:a14="http://schemas.microsoft.com/office/drawing/2010/main" w="9525">
+                <a:solidFill>
+                  <a:schemeClr val="tx1"/>
+                </a:solidFill>
+                <a:miter lim="800000"/>
+                <a:headEnd/>
+                <a:tailEnd/>
+              </a14:hiddenLine>
+            </a:ext>
+          </a:extLst>
+        </p:spPr>
+      </p:pic>
+      <p:sp>
+        <p:nvSpPr>
+          <p:cNvPr id="4" name="TextBox 3"/>
+          <p:cNvSpPr txBox="1"/>
+          <p:nvPr/>
+        </p:nvSpPr>
+        <p:spPr>
+          <a:xfrm>
+            <a:off x="304799" y="3651562"/>
+            <a:ext cx="2379177" cy="892552"/>
+          </a:xfrm>
+          <a:prstGeom prst="rect">
+            <a:avLst/>
+          </a:prstGeom>
+          <a:noFill/>
+        </p:spPr>
+        <p:txBody>
+          <a:bodyPr wrap="none" rtlCol="0">
+            <a:spAutoFit/>
+          </a:bodyPr>
+          <a:lstStyle/>
+          <a:p>
+            <a:r>
+              <a:rPr lang="en-US" sz="2400" b="1" dirty="0" smtClean="0"/>
+              <a:t>Transition tracks</a:t>
+            </a:r>
+          </a:p>
+          <a:p>
+            <a:r>
+              <a:rPr lang="en-US" sz="1400" i="1" dirty="0" smtClean="0"/>
+              <a:t>(sudden change 85-&gt;105BPM)</a:t>
+            </a:r>
+            <a:br>
+              <a:rPr lang="en-US" sz="1400" i="1" dirty="0" smtClean="0"/>
+            </a:br>
+            <a:endParaRPr lang="en-US" sz="1400" i="1" dirty="0"/>
+          </a:p>
+        </p:txBody>
+      </p:sp>
+      <p:cxnSp>
+        <p:nvCxnSpPr>
+          <p:cNvPr id="7" name="Straight Connector 6"/>
+          <p:cNvCxnSpPr/>
+          <p:nvPr/>
+        </p:nvCxnSpPr>
+        <p:spPr>
+          <a:xfrm>
+            <a:off x="381000" y="2057400"/>
+            <a:ext cx="8382000" cy="0"/>
+          </a:xfrm>
+          <a:prstGeom prst="line">
+            <a:avLst/>
+          </a:prstGeom>
+          <a:ln w="19050"/>
+        </p:spPr>
+        <p:style>
+          <a:lnRef idx="1">
+            <a:schemeClr val="accent1"/>
+          </a:lnRef>
+          <a:fillRef idx="0">
+            <a:schemeClr val="accent1"/>
+          </a:fillRef>
+          <a:effectRef idx="0">
+            <a:schemeClr val="accent1"/>
+          </a:effectRef>
+          <a:fontRef idx="minor">
+            <a:schemeClr val="tx1"/>
+          </a:fontRef>
+        </p:style>
+      </p:cxnSp>
+      <p:sp>
+        <p:nvSpPr>
+          <p:cNvPr id="10" name="TextBox 9"/>
+          <p:cNvSpPr txBox="1"/>
+          <p:nvPr/>
+        </p:nvSpPr>
+        <p:spPr>
+          <a:xfrm>
+            <a:off x="304800" y="782350"/>
+            <a:ext cx="2236510" cy="677108"/>
+          </a:xfrm>
+          <a:prstGeom prst="rect">
+            <a:avLst/>
+          </a:prstGeom>
+          <a:noFill/>
+        </p:spPr>
+        <p:txBody>
+          <a:bodyPr wrap="none" rtlCol="0">
+            <a:spAutoFit/>
+          </a:bodyPr>
+          <a:lstStyle/>
+          <a:p>
+            <a:r>
+              <a:rPr lang="en-US" sz="2400" b="1" dirty="0" smtClean="0"/>
+              <a:t>Unsteady tracks</a:t>
+            </a:r>
+          </a:p>
+          <a:p>
+            <a:r>
+              <a:rPr lang="en-US" sz="1400" i="1" dirty="0" smtClean="0"/>
+              <a:t>(+-1% BPM around average)</a:t>
+            </a:r>
+            <a:endParaRPr lang="en-US" sz="1400" i="1" dirty="0"/>
+          </a:p>
+        </p:txBody>
+      </p:sp>
+      <p:sp>
+        <p:nvSpPr>
+          <p:cNvPr id="8" name="TextBox 7"/>
+          <p:cNvSpPr txBox="1"/>
+          <p:nvPr/>
+        </p:nvSpPr>
+        <p:spPr>
+          <a:xfrm>
+            <a:off x="550647" y="6934200"/>
+            <a:ext cx="8313430" cy="523220"/>
+          </a:xfrm>
+          <a:prstGeom prst="rect">
+            <a:avLst/>
+          </a:prstGeom>
+          <a:noFill/>
+        </p:spPr>
+        <p:txBody>
+          <a:bodyPr wrap="none" rtlCol="0">
+            <a:spAutoFit/>
+          </a:bodyPr>
+          <a:lstStyle/>
+          <a:p>
+            <a:r>
+              <a:rPr lang="en-US" sz="1400" dirty="0">
+                <a:hlinkClick r:id="rId4"/>
+              </a:rPr>
+              <a:t>https://www.reddit.com/r/DJs/comments/ybt30/transition_tracks</a:t>
+            </a:r>
+            <a:r>
+              <a:rPr lang="en-US" sz="1400" dirty="0" smtClean="0">
+                <a:hlinkClick r:id="rId4"/>
+              </a:rPr>
+              <a:t>/</a:t>
+            </a:r>
+            <a:r>
+              <a:rPr lang="en-US" sz="1400" dirty="0" smtClean="0"/>
+              <a:t/>
+            </a:r>
+            <a:br>
+              <a:rPr lang="en-US" sz="1400" dirty="0" smtClean="0"/>
+            </a:br>
+            <a:r>
+              <a:rPr lang="en-US" sz="1400" dirty="0">
+                <a:hlinkClick r:id="rId5"/>
+              </a:rPr>
+              <a:t>https://support.native-instruments.com/hc/en-us/community/posts/208346569-Beatgrid-for-not-steady-tracks</a:t>
+            </a:r>
+            <a:endParaRPr lang="en-US" sz="1400" dirty="0"/>
+          </a:p>
+        </p:txBody>
+      </p:sp>
+      <p:pic>
+        <p:nvPicPr>
+          <p:cNvPr id="1028" name="Picture 4"/>
+          <p:cNvPicPr>
+            <a:picLocks noChangeAspect="1" noChangeArrowheads="1"/>
+          </p:cNvPicPr>
+          <p:nvPr/>
+        </p:nvPicPr>
+        <p:blipFill>
+          <a:blip r:embed="rId6">
+            <a:extLst>
+              <a:ext uri="{28A0092B-C50C-407E-A947-70E740481C1C}">
+                <a14:useLocalDpi xmlns:a14="http://schemas.microsoft.com/office/drawing/2010/main" val="0"/>
+              </a:ext>
+            </a:extLst>
+          </a:blip>
+          <a:srcRect/>
+          <a:stretch>
+            <a:fillRect/>
+          </a:stretch>
+        </p:blipFill>
+        <p:spPr bwMode="auto">
+          <a:xfrm>
+            <a:off x="3078975" y="265375"/>
+            <a:ext cx="3256775" cy="1618724"/>
+          </a:xfrm>
+          <a:prstGeom prst="rect">
+            <a:avLst/>
+          </a:prstGeom>
+          <a:noFill/>
+          <a:ln>
+            <a:noFill/>
+          </a:ln>
+          <a:extLst>
+            <a:ext uri="{909E8E84-426E-40DD-AFC4-6F175D3DCCD1}">
+              <a14:hiddenFill xmlns:a14="http://schemas.microsoft.com/office/drawing/2010/main">
+                <a:solidFill>
+                  <a:schemeClr val="accent1"/>
+                </a:solidFill>
+              </a14:hiddenFill>
+            </a:ext>
+            <a:ext uri="{91240B29-F687-4F45-9708-019B960494DF}">
+              <a14:hiddenLine xmlns:a14="http://schemas.microsoft.com/office/drawing/2010/main" w="9525">
+                <a:solidFill>
+                  <a:schemeClr val="tx1"/>
+                </a:solidFill>
+                <a:miter lim="800000"/>
+                <a:headEnd/>
+                <a:tailEnd/>
+              </a14:hiddenLine>
+            </a:ext>
+          </a:extLst>
+        </p:spPr>
+      </p:pic>
+      <p:grpSp>
+        <p:nvGrpSpPr>
+          <p:cNvPr id="18" name="Group 17"/>
+          <p:cNvGrpSpPr/>
+          <p:nvPr/>
+        </p:nvGrpSpPr>
+        <p:grpSpPr>
+          <a:xfrm>
+            <a:off x="4800820" y="3651562"/>
+            <a:ext cx="2717324" cy="307777"/>
+            <a:chOff x="4800820" y="3651562"/>
+            <a:chExt cx="2717324" cy="307777"/>
+          </a:xfrm>
+        </p:grpSpPr>
+        <p:sp>
+          <p:nvSpPr>
+            <p:cNvPr id="13" name="TextBox 12"/>
+            <p:cNvSpPr txBox="1"/>
+            <p:nvPr/>
+          </p:nvSpPr>
+          <p:spPr>
+            <a:xfrm>
+              <a:off x="6553200" y="3651562"/>
+              <a:ext cx="964944" cy="307777"/>
+            </a:xfrm>
+            <a:prstGeom prst="rect">
+              <a:avLst/>
+            </a:prstGeom>
+            <a:noFill/>
+            <a:ln>
+              <a:solidFill>
+                <a:srgbClr val="B2B2B2"/>
+              </a:solidFill>
+            </a:ln>
+          </p:spPr>
+          <p:txBody>
+            <a:bodyPr wrap="none" rtlCol="0">
+              <a:spAutoFit/>
+            </a:bodyPr>
+            <a:lstStyle/>
+            <a:p>
+              <a:r>
+                <a:rPr lang="en-US" sz="1400" i="1" dirty="0" smtClean="0"/>
+                <a:t>(first BPM)</a:t>
+              </a:r>
+              <a:endParaRPr lang="en-US" sz="1400" i="1" dirty="0"/>
+            </a:p>
+          </p:txBody>
+        </p:sp>
+        <p:cxnSp>
+          <p:nvCxnSpPr>
+            <p:cNvPr id="11" name="Straight Arrow Connector 10"/>
+            <p:cNvCxnSpPr/>
+            <p:nvPr/>
+          </p:nvCxnSpPr>
+          <p:spPr>
+            <a:xfrm flipH="1">
+              <a:off x="4800820" y="3809437"/>
+              <a:ext cx="1676180" cy="0"/>
+            </a:xfrm>
+            <a:prstGeom prst="straightConnector1">
+              <a:avLst/>
+            </a:prstGeom>
+            <a:ln w="38100">
+              <a:solidFill>
+                <a:srgbClr val="B2B2B2"/>
+              </a:solidFill>
+              <a:tailEnd type="oval"/>
+            </a:ln>
+          </p:spPr>
+          <p:style>
+            <a:lnRef idx="1">
+              <a:schemeClr val="accent1"/>
+            </a:lnRef>
+            <a:fillRef idx="0">
+              <a:schemeClr val="accent1"/>
+            </a:fillRef>
+            <a:effectRef idx="0">
+              <a:schemeClr val="accent1"/>
+            </a:effectRef>
+            <a:fontRef idx="minor">
+              <a:schemeClr val="tx1"/>
+            </a:fontRef>
+          </p:style>
+        </p:cxnSp>
+      </p:grpSp>
+      <p:grpSp>
+        <p:nvGrpSpPr>
+          <p:cNvPr id="23" name="Group 22"/>
+          <p:cNvGrpSpPr/>
+          <p:nvPr/>
+        </p:nvGrpSpPr>
+        <p:grpSpPr>
+          <a:xfrm>
+            <a:off x="4800820" y="5521955"/>
+            <a:ext cx="2696869" cy="307777"/>
+            <a:chOff x="4800820" y="3651562"/>
+            <a:chExt cx="2696869" cy="307777"/>
+          </a:xfrm>
+        </p:grpSpPr>
+        <p:sp>
+          <p:nvSpPr>
+            <p:cNvPr id="24" name="TextBox 23"/>
+            <p:cNvSpPr txBox="1"/>
+            <p:nvPr/>
+          </p:nvSpPr>
+          <p:spPr>
+            <a:xfrm>
+              <a:off x="6553200" y="3651562"/>
+              <a:ext cx="944489" cy="307777"/>
+            </a:xfrm>
+            <a:prstGeom prst="rect">
+              <a:avLst/>
+            </a:prstGeom>
+            <a:noFill/>
+            <a:ln>
+              <a:solidFill>
+                <a:srgbClr val="B2B2B2"/>
+              </a:solidFill>
+            </a:ln>
+          </p:spPr>
+          <p:txBody>
+            <a:bodyPr wrap="none" rtlCol="0">
+              <a:spAutoFit/>
+            </a:bodyPr>
+            <a:lstStyle/>
+            <a:p>
+              <a:r>
+                <a:rPr lang="en-US" sz="1400" i="1" dirty="0" smtClean="0"/>
+                <a:t>(</a:t>
+              </a:r>
+              <a:r>
+                <a:rPr lang="en-US" sz="1400" i="1" dirty="0" err="1" smtClean="0"/>
+                <a:t>avg</a:t>
+              </a:r>
+              <a:r>
+                <a:rPr lang="en-US" sz="1400" i="1" dirty="0" smtClean="0"/>
+                <a:t> BPM)</a:t>
+              </a:r>
+              <a:endParaRPr lang="en-US" sz="1400" i="1" dirty="0"/>
+            </a:p>
+          </p:txBody>
+        </p:sp>
+        <p:cxnSp>
+          <p:nvCxnSpPr>
+            <p:cNvPr id="25" name="Straight Arrow Connector 24"/>
+            <p:cNvCxnSpPr/>
+            <p:nvPr/>
+          </p:nvCxnSpPr>
+          <p:spPr>
+            <a:xfrm flipH="1">
+              <a:off x="4800820" y="3809437"/>
+              <a:ext cx="1676180" cy="0"/>
+            </a:xfrm>
+            <a:prstGeom prst="straightConnector1">
+              <a:avLst/>
+            </a:prstGeom>
+            <a:ln w="38100">
+              <a:solidFill>
+                <a:srgbClr val="B2B2B2"/>
+              </a:solidFill>
+              <a:tailEnd type="oval"/>
+            </a:ln>
+          </p:spPr>
+          <p:style>
+            <a:lnRef idx="1">
+              <a:schemeClr val="accent1"/>
+            </a:lnRef>
+            <a:fillRef idx="0">
+              <a:schemeClr val="accent1"/>
+            </a:fillRef>
+            <a:effectRef idx="0">
+              <a:schemeClr val="accent1"/>
+            </a:effectRef>
+            <a:fontRef idx="minor">
+              <a:schemeClr val="tx1"/>
+            </a:fontRef>
+          </p:style>
+        </p:cxnSp>
+      </p:grpSp>
+      <p:grpSp>
+        <p:nvGrpSpPr>
+          <p:cNvPr id="26" name="Group 25"/>
+          <p:cNvGrpSpPr/>
+          <p:nvPr/>
+        </p:nvGrpSpPr>
+        <p:grpSpPr>
+          <a:xfrm>
+            <a:off x="4793958" y="1576322"/>
+            <a:ext cx="3858213" cy="307777"/>
+            <a:chOff x="4800820" y="3651562"/>
+            <a:chExt cx="3858213" cy="307777"/>
+          </a:xfrm>
+        </p:grpSpPr>
+        <p:sp>
+          <p:nvSpPr>
+            <p:cNvPr id="27" name="TextBox 26"/>
+            <p:cNvSpPr txBox="1"/>
+            <p:nvPr/>
+          </p:nvSpPr>
+          <p:spPr>
+            <a:xfrm>
+              <a:off x="6553200" y="3651562"/>
+              <a:ext cx="2105833" cy="307777"/>
+            </a:xfrm>
+            <a:prstGeom prst="rect">
+              <a:avLst/>
+            </a:prstGeom>
+            <a:noFill/>
+            <a:ln>
+              <a:solidFill>
+                <a:srgbClr val="B2B2B2"/>
+              </a:solidFill>
+            </a:ln>
+          </p:spPr>
+          <p:txBody>
+            <a:bodyPr wrap="none" rtlCol="0">
+              <a:spAutoFit/>
+            </a:bodyPr>
+            <a:lstStyle/>
+            <a:p>
+              <a:r>
+                <a:rPr lang="en-US" sz="1400" i="1" dirty="0" smtClean="0"/>
+                <a:t>(correct BPM for first part)</a:t>
+              </a:r>
+              <a:endParaRPr lang="en-US" sz="1400" i="1" dirty="0"/>
+            </a:p>
+          </p:txBody>
+        </p:sp>
+        <p:cxnSp>
+          <p:nvCxnSpPr>
+            <p:cNvPr id="28" name="Straight Arrow Connector 27"/>
+            <p:cNvCxnSpPr/>
+            <p:nvPr/>
+          </p:nvCxnSpPr>
+          <p:spPr>
+            <a:xfrm flipH="1">
+              <a:off x="4800820" y="3809437"/>
+              <a:ext cx="1676180" cy="0"/>
+            </a:xfrm>
+            <a:prstGeom prst="straightConnector1">
+              <a:avLst/>
+            </a:prstGeom>
+            <a:ln w="38100">
+              <a:solidFill>
+                <a:srgbClr val="B2B2B2"/>
+              </a:solidFill>
+              <a:tailEnd type="oval"/>
+            </a:ln>
+          </p:spPr>
+          <p:style>
+            <a:lnRef idx="1">
+              <a:schemeClr val="accent1"/>
+            </a:lnRef>
+            <a:fillRef idx="0">
+              <a:schemeClr val="accent1"/>
+            </a:fillRef>
+            <a:effectRef idx="0">
+              <a:schemeClr val="accent1"/>
+            </a:effectRef>
+            <a:fontRef idx="minor">
+              <a:schemeClr val="tx1"/>
+            </a:fontRef>
+          </p:style>
+        </p:cxnSp>
+      </p:grpSp>
+      <p:grpSp>
+        <p:nvGrpSpPr>
+          <p:cNvPr id="29" name="Group 28"/>
+          <p:cNvGrpSpPr/>
+          <p:nvPr/>
+        </p:nvGrpSpPr>
+        <p:grpSpPr>
+          <a:xfrm>
+            <a:off x="5257801" y="4808561"/>
+            <a:ext cx="2847319" cy="307777"/>
+            <a:chOff x="4800820" y="3651562"/>
+            <a:chExt cx="3905251" cy="307777"/>
+          </a:xfrm>
+        </p:grpSpPr>
+        <p:sp>
+          <p:nvSpPr>
+            <p:cNvPr id="30" name="TextBox 29"/>
+            <p:cNvSpPr txBox="1"/>
+            <p:nvPr/>
+          </p:nvSpPr>
+          <p:spPr>
+            <a:xfrm>
+              <a:off x="6553198" y="3651562"/>
+              <a:ext cx="2152873" cy="307777"/>
+            </a:xfrm>
+            <a:prstGeom prst="rect">
+              <a:avLst/>
+            </a:prstGeom>
+            <a:noFill/>
+            <a:ln>
+              <a:solidFill>
+                <a:srgbClr val="B2B2B2"/>
+              </a:solidFill>
+            </a:ln>
+          </p:spPr>
+          <p:txBody>
+            <a:bodyPr wrap="none" rtlCol="0">
+              <a:spAutoFit/>
+            </a:bodyPr>
+            <a:lstStyle/>
+            <a:p>
+              <a:r>
+                <a:rPr lang="en-US" sz="1400" i="1" dirty="0" smtClean="0"/>
+                <a:t>(&gt;half a beat error)</a:t>
+              </a:r>
+              <a:endParaRPr lang="en-US" sz="1400" i="1" dirty="0"/>
+            </a:p>
+          </p:txBody>
+        </p:sp>
+        <p:cxnSp>
+          <p:nvCxnSpPr>
+            <p:cNvPr id="31" name="Straight Arrow Connector 30"/>
+            <p:cNvCxnSpPr/>
+            <p:nvPr/>
+          </p:nvCxnSpPr>
+          <p:spPr>
+            <a:xfrm flipH="1">
+              <a:off x="4800820" y="3809437"/>
+              <a:ext cx="1676180" cy="0"/>
+            </a:xfrm>
+            <a:prstGeom prst="straightConnector1">
+              <a:avLst/>
+            </a:prstGeom>
+            <a:ln w="38100">
+              <a:solidFill>
+                <a:srgbClr val="B2B2B2"/>
+              </a:solidFill>
+              <a:tailEnd type="oval"/>
+            </a:ln>
+          </p:spPr>
+          <p:style>
+            <a:lnRef idx="1">
+              <a:schemeClr val="accent1"/>
+            </a:lnRef>
+            <a:fillRef idx="0">
+              <a:schemeClr val="accent1"/>
+            </a:fillRef>
+            <a:effectRef idx="0">
+              <a:schemeClr val="accent1"/>
+            </a:effectRef>
+            <a:fontRef idx="minor">
+              <a:schemeClr val="tx1"/>
+            </a:fontRef>
+          </p:style>
+        </p:cxnSp>
+      </p:grpSp>
+      <p:grpSp>
+        <p:nvGrpSpPr>
+          <p:cNvPr id="32" name="Group 31"/>
+          <p:cNvGrpSpPr/>
+          <p:nvPr/>
+        </p:nvGrpSpPr>
+        <p:grpSpPr>
+          <a:xfrm>
+            <a:off x="5868850" y="828615"/>
+            <a:ext cx="2131274" cy="307777"/>
+            <a:chOff x="4800820" y="3651562"/>
+            <a:chExt cx="5303004" cy="307777"/>
+          </a:xfrm>
+        </p:grpSpPr>
+        <p:sp>
+          <p:nvSpPr>
+            <p:cNvPr id="33" name="TextBox 32"/>
+            <p:cNvSpPr txBox="1"/>
+            <p:nvPr/>
+          </p:nvSpPr>
+          <p:spPr>
+            <a:xfrm>
+              <a:off x="6553199" y="3651562"/>
+              <a:ext cx="3550625" cy="307777"/>
+            </a:xfrm>
+            <a:prstGeom prst="rect">
+              <a:avLst/>
+            </a:prstGeom>
+            <a:noFill/>
+            <a:ln>
+              <a:solidFill>
+                <a:srgbClr val="B2B2B2"/>
+              </a:solidFill>
+            </a:ln>
+          </p:spPr>
+          <p:txBody>
+            <a:bodyPr wrap="none" rtlCol="0">
+              <a:spAutoFit/>
+            </a:bodyPr>
+            <a:lstStyle/>
+            <a:p>
+              <a:r>
+                <a:rPr lang="en-US" sz="1400" i="1" dirty="0" smtClean="0"/>
+                <a:t>(maximum error)</a:t>
+              </a:r>
+              <a:endParaRPr lang="en-US" sz="1400" i="1" dirty="0"/>
+            </a:p>
+          </p:txBody>
+        </p:sp>
+        <p:cxnSp>
+          <p:nvCxnSpPr>
+            <p:cNvPr id="34" name="Straight Arrow Connector 33"/>
+            <p:cNvCxnSpPr/>
+            <p:nvPr/>
+          </p:nvCxnSpPr>
+          <p:spPr>
+            <a:xfrm flipH="1">
+              <a:off x="4800820" y="3809437"/>
+              <a:ext cx="1676180" cy="0"/>
+            </a:xfrm>
+            <a:prstGeom prst="straightConnector1">
+              <a:avLst/>
+            </a:prstGeom>
+            <a:ln w="38100">
+              <a:solidFill>
+                <a:srgbClr val="B2B2B2"/>
+              </a:solidFill>
+              <a:tailEnd type="oval"/>
+            </a:ln>
+          </p:spPr>
+          <p:style>
+            <a:lnRef idx="1">
+              <a:schemeClr val="accent1"/>
+            </a:lnRef>
+            <a:fillRef idx="0">
+              <a:schemeClr val="accent1"/>
+            </a:fillRef>
+            <a:effectRef idx="0">
+              <a:schemeClr val="accent1"/>
+            </a:effectRef>
+            <a:fontRef idx="minor">
+              <a:schemeClr val="tx1"/>
+            </a:fontRef>
+          </p:style>
+        </p:cxnSp>
+      </p:grpSp>
+      <p:sp>
+        <p:nvSpPr>
+          <p:cNvPr id="19" name="TextBox 18"/>
+          <p:cNvSpPr txBox="1"/>
+          <p:nvPr/>
+        </p:nvSpPr>
+        <p:spPr>
+          <a:xfrm>
+            <a:off x="383875" y="6057900"/>
+            <a:ext cx="8400417" cy="276999"/>
+          </a:xfrm>
+          <a:prstGeom prst="rect">
+            <a:avLst/>
+          </a:prstGeom>
+          <a:noFill/>
+        </p:spPr>
+        <p:txBody>
+          <a:bodyPr wrap="square" rtlCol="0">
+            <a:spAutoFit/>
+          </a:bodyPr>
+          <a:lstStyle/>
+          <a:p>
+            <a:r>
+              <a:rPr lang="en-US" sz="1200" dirty="0">
+                <a:hlinkClick r:id="rId7"/>
+              </a:rPr>
+              <a:t>https://</a:t>
+            </a:r>
+            <a:r>
+              <a:rPr lang="en-US" sz="1200" dirty="0" smtClean="0">
+                <a:hlinkClick r:id="rId7"/>
+              </a:rPr>
+              <a:t>www.native-instruments.com/forum/threads/how-to-emulate-elastic-beatgrids-in-traktor-via-rekordbox-conversion.375229</a:t>
+            </a:r>
+            <a:endParaRPr lang="en-US" sz="1200" dirty="0"/>
+          </a:p>
+        </p:txBody>
+      </p:sp>
+    </p:spTree>
+    <p:extLst>
+      <p:ext uri="{BB962C8B-B14F-4D97-AF65-F5344CB8AC3E}">
+        <p14:creationId xmlns:p14="http://schemas.microsoft.com/office/powerpoint/2010/main" val="3141860709"/>
+      </p:ext>
+    </p:extLst>
+  </p:cSld>
+  <p:clrMapOvr>
+    <a:masterClrMapping/>
+  </p:clrMapOvr>
+</p:sld>
+</file>
+
 <file path=ppt/theme/theme1.xml><?xml version="1.0" encoding="utf-8"?>
 <a:theme xmlns:a="http://schemas.openxmlformats.org/drawingml/2006/main" name="Office Theme">
   <a:themeElements>

--- a/traktor/pics/traktor_elastic_beatgrids.pptx
+++ b/traktor/pics/traktor_elastic_beatgrids.pptx
@@ -290,7 +290,7 @@
             <a:fld id="{1D8BD707-D9CF-40AE-B4C6-C98DA3205C09}" type="datetimeFigureOut">
               <a:rPr lang="en-US" smtClean="0"/>
               <a:pPr/>
-              <a:t>4/11/2020</a:t>
+              <a:t>4/14/2020</a:t>
             </a:fld>
             <a:endParaRPr lang="en-US"/>
           </a:p>
@@ -457,7 +457,7 @@
             <a:fld id="{1D8BD707-D9CF-40AE-B4C6-C98DA3205C09}" type="datetimeFigureOut">
               <a:rPr lang="en-US" smtClean="0"/>
               <a:pPr/>
-              <a:t>4/11/2020</a:t>
+              <a:t>4/14/2020</a:t>
             </a:fld>
             <a:endParaRPr lang="en-US"/>
           </a:p>
@@ -634,7 +634,7 @@
             <a:fld id="{1D8BD707-D9CF-40AE-B4C6-C98DA3205C09}" type="datetimeFigureOut">
               <a:rPr lang="en-US" smtClean="0"/>
               <a:pPr/>
-              <a:t>4/11/2020</a:t>
+              <a:t>4/14/2020</a:t>
             </a:fld>
             <a:endParaRPr lang="en-US"/>
           </a:p>
@@ -801,7 +801,7 @@
             <a:fld id="{1D8BD707-D9CF-40AE-B4C6-C98DA3205C09}" type="datetimeFigureOut">
               <a:rPr lang="en-US" smtClean="0"/>
               <a:pPr/>
-              <a:t>4/11/2020</a:t>
+              <a:t>4/14/2020</a:t>
             </a:fld>
             <a:endParaRPr lang="en-US"/>
           </a:p>
@@ -1044,7 +1044,7 @@
             <a:fld id="{1D8BD707-D9CF-40AE-B4C6-C98DA3205C09}" type="datetimeFigureOut">
               <a:rPr lang="en-US" smtClean="0"/>
               <a:pPr/>
-              <a:t>4/11/2020</a:t>
+              <a:t>4/14/2020</a:t>
             </a:fld>
             <a:endParaRPr lang="en-US"/>
           </a:p>
@@ -1329,7 +1329,7 @@
             <a:fld id="{1D8BD707-D9CF-40AE-B4C6-C98DA3205C09}" type="datetimeFigureOut">
               <a:rPr lang="en-US" smtClean="0"/>
               <a:pPr/>
-              <a:t>4/11/2020</a:t>
+              <a:t>4/14/2020</a:t>
             </a:fld>
             <a:endParaRPr lang="en-US"/>
           </a:p>
@@ -1748,7 +1748,7 @@
             <a:fld id="{1D8BD707-D9CF-40AE-B4C6-C98DA3205C09}" type="datetimeFigureOut">
               <a:rPr lang="en-US" smtClean="0"/>
               <a:pPr/>
-              <a:t>4/11/2020</a:t>
+              <a:t>4/14/2020</a:t>
             </a:fld>
             <a:endParaRPr lang="en-US"/>
           </a:p>
@@ -1863,7 +1863,7 @@
             <a:fld id="{1D8BD707-D9CF-40AE-B4C6-C98DA3205C09}" type="datetimeFigureOut">
               <a:rPr lang="en-US" smtClean="0"/>
               <a:pPr/>
-              <a:t>4/11/2020</a:t>
+              <a:t>4/14/2020</a:t>
             </a:fld>
             <a:endParaRPr lang="en-US"/>
           </a:p>
@@ -1955,7 +1955,7 @@
             <a:fld id="{1D8BD707-D9CF-40AE-B4C6-C98DA3205C09}" type="datetimeFigureOut">
               <a:rPr lang="en-US" smtClean="0"/>
               <a:pPr/>
-              <a:t>4/11/2020</a:t>
+              <a:t>4/14/2020</a:t>
             </a:fld>
             <a:endParaRPr lang="en-US"/>
           </a:p>
@@ -2229,7 +2229,7 @@
             <a:fld id="{1D8BD707-D9CF-40AE-B4C6-C98DA3205C09}" type="datetimeFigureOut">
               <a:rPr lang="en-US" smtClean="0"/>
               <a:pPr/>
-              <a:t>4/11/2020</a:t>
+              <a:t>4/14/2020</a:t>
             </a:fld>
             <a:endParaRPr lang="en-US"/>
           </a:p>
@@ -2479,7 +2479,7 @@
             <a:fld id="{1D8BD707-D9CF-40AE-B4C6-C98DA3205C09}" type="datetimeFigureOut">
               <a:rPr lang="en-US" smtClean="0"/>
               <a:pPr/>
-              <a:t>4/11/2020</a:t>
+              <a:t>4/14/2020</a:t>
             </a:fld>
             <a:endParaRPr lang="en-US"/>
           </a:p>
@@ -2689,7 +2689,7 @@
             <a:fld id="{1D8BD707-D9CF-40AE-B4C6-C98DA3205C09}" type="datetimeFigureOut">
               <a:rPr lang="en-US" smtClean="0"/>
               <a:pPr/>
-              <a:t>4/11/2020</a:t>
+              <a:t>4/14/2020</a:t>
             </a:fld>
             <a:endParaRPr lang="en-US"/>
           </a:p>
@@ -3560,9 +3560,9 @@
         <p:grpSpPr>
           <a:xfrm>
             <a:off x="1696539" y="263555"/>
-            <a:ext cx="3458953" cy="5785366"/>
+            <a:ext cx="5847261" cy="5785366"/>
             <a:chOff x="3621505" y="304800"/>
-            <a:chExt cx="3458953" cy="5785366"/>
+            <a:chExt cx="5847261" cy="5785366"/>
           </a:xfrm>
         </p:grpSpPr>
         <p:grpSp>
@@ -3666,9 +3666,9 @@
           <p:grpSpPr>
             <a:xfrm>
               <a:off x="3621505" y="304800"/>
-              <a:ext cx="1975463" cy="1066800"/>
+              <a:ext cx="5847261" cy="1066800"/>
               <a:chOff x="3657600" y="304800"/>
-              <a:chExt cx="1975463" cy="1066800"/>
+              <a:chExt cx="5847261" cy="1066800"/>
             </a:xfrm>
           </p:grpSpPr>
           <p:sp>
@@ -3720,7 +3720,7 @@
             <p:spPr>
               <a:xfrm>
                 <a:off x="3810000" y="316331"/>
-                <a:ext cx="1823063" cy="923330"/>
+                <a:ext cx="5694861" cy="923330"/>
               </a:xfrm>
               <a:prstGeom prst="rect">
                 <a:avLst/>
@@ -3728,14 +3728,26 @@
               <a:noFill/>
             </p:spPr>
             <p:txBody>
-              <a:bodyPr wrap="none" rtlCol="0">
+              <a:bodyPr wrap="square" rtlCol="0">
                 <a:spAutoFit/>
               </a:bodyPr>
               <a:lstStyle/>
               <a:p>
                 <a:r>
                   <a:rPr lang="en-US" b="1" dirty="0" smtClean="0"/>
-                  <a:t>Dynamic analysis</a:t>
+                  <a:t>Dynamic analysis (</a:t>
+                </a:r>
+                <a:r>
+                  <a:rPr lang="en-US" b="1" smtClean="0"/>
+                  <a:t>Free </a:t>
+                </a:r>
+                <a:r>
+                  <a:rPr lang="en-US" b="1" smtClean="0"/>
+                  <a:t>- Rekordbox</a:t>
+                </a:r>
+                <a:r>
+                  <a:rPr lang="en-US" b="1" dirty="0" smtClean="0"/>
+                  <a:t> 5.6.0 Export mode)</a:t>
                 </a:r>
                 <a:endParaRPr lang="en-US" b="1" dirty="0"/>
               </a:p>
@@ -3763,9 +3775,9 @@
           <p:grpSpPr>
             <a:xfrm>
               <a:off x="3621505" y="5251966"/>
-              <a:ext cx="2485988" cy="838200"/>
+              <a:ext cx="4461593" cy="838200"/>
               <a:chOff x="3621505" y="5251966"/>
-              <a:chExt cx="2485988" cy="838200"/>
+              <a:chExt cx="4461593" cy="838200"/>
             </a:xfrm>
           </p:grpSpPr>
           <p:sp>
@@ -3817,7 +3829,7 @@
             <p:spPr>
               <a:xfrm>
                 <a:off x="3773905" y="5325797"/>
-                <a:ext cx="2333588" cy="646331"/>
+                <a:ext cx="4309193" cy="646331"/>
               </a:xfrm>
               <a:prstGeom prst="rect">
                 <a:avLst/>
@@ -3834,7 +3846,10 @@
                   <a:rPr lang="en-US" b="1" dirty="0" err="1" smtClean="0"/>
                   <a:t>Dj_data_converter</a:t>
                 </a:r>
-                <a:endParaRPr lang="en-US" b="1" dirty="0" smtClean="0"/>
+                <a:r>
+                  <a:rPr lang="en-US" b="1" dirty="0" smtClean="0"/>
+                  <a:t> (or any other converter)</a:t>
+                </a:r>
               </a:p>
               <a:p>
                 <a:r>

--- a/traktor/pics/traktor_elastic_beatgrids.pptx
+++ b/traktor/pics/traktor_elastic_beatgrids.pptx
@@ -5,8 +5,10 @@
     <p:sldMasterId id="2147483648" r:id="rId1"/>
   </p:sldMasterIdLst>
   <p:sldIdLst>
-    <p:sldId id="256" r:id="rId2"/>
-    <p:sldId id="257" r:id="rId3"/>
+    <p:sldId id="257" r:id="rId2"/>
+    <p:sldId id="259" r:id="rId3"/>
+    <p:sldId id="256" r:id="rId4"/>
+    <p:sldId id="258" r:id="rId5"/>
   </p:sldIdLst>
   <p:sldSz cx="9144000" cy="6858000" type="screen4x3"/>
   <p:notesSz cx="6858000" cy="9144000"/>
@@ -3044,6 +3046,2163 @@
 </file>
 
 <file path=ppt/slides/slide1.xml><?xml version="1.0" encoding="utf-8"?>
+<p:sld xmlns:a="http://schemas.openxmlformats.org/drawingml/2006/main" xmlns:r="http://schemas.openxmlformats.org/officeDocument/2006/relationships" xmlns:p="http://schemas.openxmlformats.org/presentationml/2006/main">
+  <p:cSld>
+    <p:spTree>
+      <p:nvGrpSpPr>
+        <p:cNvPr id="1" name=""/>
+        <p:cNvGrpSpPr/>
+        <p:nvPr/>
+      </p:nvGrpSpPr>
+      <p:grpSpPr>
+        <a:xfrm>
+          <a:off x="0" y="0"/>
+          <a:ext cx="0" cy="0"/>
+          <a:chOff x="0" y="0"/>
+          <a:chExt cx="0" cy="0"/>
+        </a:xfrm>
+      </p:grpSpPr>
+      <p:pic>
+        <p:nvPicPr>
+          <p:cNvPr id="1026" name="Picture 2"/>
+          <p:cNvPicPr>
+            <a:picLocks noChangeAspect="1" noChangeArrowheads="1"/>
+          </p:cNvPicPr>
+          <p:nvPr/>
+        </p:nvPicPr>
+        <p:blipFill rotWithShape="1">
+          <a:blip r:embed="rId2">
+            <a:extLst>
+              <a:ext uri="{28A0092B-C50C-407E-A947-70E740481C1C}">
+                <a14:useLocalDpi xmlns:a14="http://schemas.microsoft.com/office/drawing/2010/main" val="0"/>
+              </a:ext>
+            </a:extLst>
+          </a:blip>
+          <a:srcRect l="875" t="1333" r="1563" b="2667"/>
+          <a:stretch/>
+        </p:blipFill>
+        <p:spPr bwMode="auto">
+          <a:xfrm>
+            <a:off x="3078975" y="2190115"/>
+            <a:ext cx="3256775" cy="1763066"/>
+          </a:xfrm>
+          <a:prstGeom prst="rect">
+            <a:avLst/>
+          </a:prstGeom>
+          <a:noFill/>
+          <a:ln>
+            <a:noFill/>
+          </a:ln>
+          <a:extLst>
+            <a:ext uri="{909E8E84-426E-40DD-AFC4-6F175D3DCCD1}">
+              <a14:hiddenFill xmlns:a14="http://schemas.microsoft.com/office/drawing/2010/main">
+                <a:solidFill>
+                  <a:schemeClr val="accent1"/>
+                </a:solidFill>
+              </a14:hiddenFill>
+            </a:ext>
+            <a:ext uri="{91240B29-F687-4F45-9708-019B960494DF}">
+              <a14:hiddenLine xmlns:a14="http://schemas.microsoft.com/office/drawing/2010/main" w="9525">
+                <a:solidFill>
+                  <a:schemeClr val="tx1"/>
+                </a:solidFill>
+                <a:miter lim="800000"/>
+                <a:headEnd/>
+                <a:tailEnd/>
+              </a14:hiddenLine>
+            </a:ext>
+          </a:extLst>
+        </p:spPr>
+      </p:pic>
+      <p:pic>
+        <p:nvPicPr>
+          <p:cNvPr id="1027" name="Picture 3"/>
+          <p:cNvPicPr>
+            <a:picLocks noChangeAspect="1" noChangeArrowheads="1"/>
+          </p:cNvPicPr>
+          <p:nvPr/>
+        </p:nvPicPr>
+        <p:blipFill rotWithShape="1">
+          <a:blip r:embed="rId3">
+            <a:extLst>
+              <a:ext uri="{28A0092B-C50C-407E-A947-70E740481C1C}">
+                <a14:useLocalDpi xmlns:a14="http://schemas.microsoft.com/office/drawing/2010/main" val="0"/>
+              </a:ext>
+            </a:extLst>
+          </a:blip>
+          <a:srcRect l="543" t="4178" r="2384" b="1334"/>
+          <a:stretch/>
+        </p:blipFill>
+        <p:spPr bwMode="auto">
+          <a:xfrm>
+            <a:off x="3066646" y="4114800"/>
+            <a:ext cx="3280606" cy="1714932"/>
+          </a:xfrm>
+          <a:prstGeom prst="rect">
+            <a:avLst/>
+          </a:prstGeom>
+          <a:noFill/>
+          <a:ln>
+            <a:noFill/>
+          </a:ln>
+          <a:extLst>
+            <a:ext uri="{909E8E84-426E-40DD-AFC4-6F175D3DCCD1}">
+              <a14:hiddenFill xmlns:a14="http://schemas.microsoft.com/office/drawing/2010/main">
+                <a:solidFill>
+                  <a:schemeClr val="accent1"/>
+                </a:solidFill>
+              </a14:hiddenFill>
+            </a:ext>
+            <a:ext uri="{91240B29-F687-4F45-9708-019B960494DF}">
+              <a14:hiddenLine xmlns:a14="http://schemas.microsoft.com/office/drawing/2010/main" w="9525">
+                <a:solidFill>
+                  <a:schemeClr val="tx1"/>
+                </a:solidFill>
+                <a:miter lim="800000"/>
+                <a:headEnd/>
+                <a:tailEnd/>
+              </a14:hiddenLine>
+            </a:ext>
+          </a:extLst>
+        </p:spPr>
+      </p:pic>
+      <p:sp>
+        <p:nvSpPr>
+          <p:cNvPr id="4" name="TextBox 3"/>
+          <p:cNvSpPr txBox="1"/>
+          <p:nvPr/>
+        </p:nvSpPr>
+        <p:spPr>
+          <a:xfrm>
+            <a:off x="304799" y="3651562"/>
+            <a:ext cx="2379177" cy="892552"/>
+          </a:xfrm>
+          <a:prstGeom prst="rect">
+            <a:avLst/>
+          </a:prstGeom>
+          <a:noFill/>
+        </p:spPr>
+        <p:txBody>
+          <a:bodyPr wrap="none" rtlCol="0">
+            <a:spAutoFit/>
+          </a:bodyPr>
+          <a:lstStyle/>
+          <a:p>
+            <a:r>
+              <a:rPr lang="en-US" sz="2400" b="1" dirty="0" smtClean="0"/>
+              <a:t>Transition tracks</a:t>
+            </a:r>
+          </a:p>
+          <a:p>
+            <a:r>
+              <a:rPr lang="en-US" sz="1400" i="1" dirty="0" smtClean="0"/>
+              <a:t>(sudden change 85-&gt;105BPM)</a:t>
+            </a:r>
+            <a:br>
+              <a:rPr lang="en-US" sz="1400" i="1" dirty="0" smtClean="0"/>
+            </a:br>
+            <a:endParaRPr lang="en-US" sz="1400" i="1" dirty="0"/>
+          </a:p>
+        </p:txBody>
+      </p:sp>
+      <p:cxnSp>
+        <p:nvCxnSpPr>
+          <p:cNvPr id="7" name="Straight Connector 6"/>
+          <p:cNvCxnSpPr/>
+          <p:nvPr/>
+        </p:nvCxnSpPr>
+        <p:spPr>
+          <a:xfrm>
+            <a:off x="381000" y="2057400"/>
+            <a:ext cx="8382000" cy="0"/>
+          </a:xfrm>
+          <a:prstGeom prst="line">
+            <a:avLst/>
+          </a:prstGeom>
+          <a:ln w="19050"/>
+        </p:spPr>
+        <p:style>
+          <a:lnRef idx="1">
+            <a:schemeClr val="accent1"/>
+          </a:lnRef>
+          <a:fillRef idx="0">
+            <a:schemeClr val="accent1"/>
+          </a:fillRef>
+          <a:effectRef idx="0">
+            <a:schemeClr val="accent1"/>
+          </a:effectRef>
+          <a:fontRef idx="minor">
+            <a:schemeClr val="tx1"/>
+          </a:fontRef>
+        </p:style>
+      </p:cxnSp>
+      <p:sp>
+        <p:nvSpPr>
+          <p:cNvPr id="10" name="TextBox 9"/>
+          <p:cNvSpPr txBox="1"/>
+          <p:nvPr/>
+        </p:nvSpPr>
+        <p:spPr>
+          <a:xfrm>
+            <a:off x="304800" y="782350"/>
+            <a:ext cx="2236510" cy="677108"/>
+          </a:xfrm>
+          <a:prstGeom prst="rect">
+            <a:avLst/>
+          </a:prstGeom>
+          <a:noFill/>
+        </p:spPr>
+        <p:txBody>
+          <a:bodyPr wrap="none" rtlCol="0">
+            <a:spAutoFit/>
+          </a:bodyPr>
+          <a:lstStyle/>
+          <a:p>
+            <a:r>
+              <a:rPr lang="en-US" sz="2400" b="1" dirty="0" smtClean="0"/>
+              <a:t>Unsteady tracks</a:t>
+            </a:r>
+          </a:p>
+          <a:p>
+            <a:r>
+              <a:rPr lang="en-US" sz="1400" i="1" dirty="0" smtClean="0"/>
+              <a:t>(+-1% BPM around average)</a:t>
+            </a:r>
+            <a:endParaRPr lang="en-US" sz="1400" i="1" dirty="0"/>
+          </a:p>
+        </p:txBody>
+      </p:sp>
+      <p:sp>
+        <p:nvSpPr>
+          <p:cNvPr id="8" name="TextBox 7"/>
+          <p:cNvSpPr txBox="1"/>
+          <p:nvPr/>
+        </p:nvSpPr>
+        <p:spPr>
+          <a:xfrm>
+            <a:off x="550647" y="6934200"/>
+            <a:ext cx="8313430" cy="523220"/>
+          </a:xfrm>
+          <a:prstGeom prst="rect">
+            <a:avLst/>
+          </a:prstGeom>
+          <a:noFill/>
+        </p:spPr>
+        <p:txBody>
+          <a:bodyPr wrap="none" rtlCol="0">
+            <a:spAutoFit/>
+          </a:bodyPr>
+          <a:lstStyle/>
+          <a:p>
+            <a:r>
+              <a:rPr lang="en-US" sz="1400" dirty="0">
+                <a:hlinkClick r:id="rId4"/>
+              </a:rPr>
+              <a:t>https://www.reddit.com/r/DJs/comments/ybt30/transition_tracks</a:t>
+            </a:r>
+            <a:r>
+              <a:rPr lang="en-US" sz="1400" dirty="0" smtClean="0">
+                <a:hlinkClick r:id="rId4"/>
+              </a:rPr>
+              <a:t>/</a:t>
+            </a:r>
+            <a:r>
+              <a:rPr lang="en-US" sz="1400" dirty="0" smtClean="0"/>
+              <a:t/>
+            </a:r>
+            <a:br>
+              <a:rPr lang="en-US" sz="1400" dirty="0" smtClean="0"/>
+            </a:br>
+            <a:r>
+              <a:rPr lang="en-US" sz="1400" dirty="0">
+                <a:hlinkClick r:id="rId5"/>
+              </a:rPr>
+              <a:t>https://support.native-instruments.com/hc/en-us/community/posts/208346569-Beatgrid-for-not-steady-tracks</a:t>
+            </a:r>
+            <a:endParaRPr lang="en-US" sz="1400" dirty="0"/>
+          </a:p>
+        </p:txBody>
+      </p:sp>
+      <p:pic>
+        <p:nvPicPr>
+          <p:cNvPr id="1028" name="Picture 4"/>
+          <p:cNvPicPr>
+            <a:picLocks noChangeAspect="1" noChangeArrowheads="1"/>
+          </p:cNvPicPr>
+          <p:nvPr/>
+        </p:nvPicPr>
+        <p:blipFill>
+          <a:blip r:embed="rId6">
+            <a:extLst>
+              <a:ext uri="{28A0092B-C50C-407E-A947-70E740481C1C}">
+                <a14:useLocalDpi xmlns:a14="http://schemas.microsoft.com/office/drawing/2010/main" val="0"/>
+              </a:ext>
+            </a:extLst>
+          </a:blip>
+          <a:srcRect/>
+          <a:stretch>
+            <a:fillRect/>
+          </a:stretch>
+        </p:blipFill>
+        <p:spPr bwMode="auto">
+          <a:xfrm>
+            <a:off x="3078975" y="265375"/>
+            <a:ext cx="3256775" cy="1618724"/>
+          </a:xfrm>
+          <a:prstGeom prst="rect">
+            <a:avLst/>
+          </a:prstGeom>
+          <a:noFill/>
+          <a:ln>
+            <a:noFill/>
+          </a:ln>
+          <a:extLst>
+            <a:ext uri="{909E8E84-426E-40DD-AFC4-6F175D3DCCD1}">
+              <a14:hiddenFill xmlns:a14="http://schemas.microsoft.com/office/drawing/2010/main">
+                <a:solidFill>
+                  <a:schemeClr val="accent1"/>
+                </a:solidFill>
+              </a14:hiddenFill>
+            </a:ext>
+            <a:ext uri="{91240B29-F687-4F45-9708-019B960494DF}">
+              <a14:hiddenLine xmlns:a14="http://schemas.microsoft.com/office/drawing/2010/main" w="9525">
+                <a:solidFill>
+                  <a:schemeClr val="tx1"/>
+                </a:solidFill>
+                <a:miter lim="800000"/>
+                <a:headEnd/>
+                <a:tailEnd/>
+              </a14:hiddenLine>
+            </a:ext>
+          </a:extLst>
+        </p:spPr>
+      </p:pic>
+      <p:grpSp>
+        <p:nvGrpSpPr>
+          <p:cNvPr id="18" name="Group 17"/>
+          <p:cNvGrpSpPr/>
+          <p:nvPr/>
+        </p:nvGrpSpPr>
+        <p:grpSpPr>
+          <a:xfrm>
+            <a:off x="4800820" y="3651562"/>
+            <a:ext cx="2717324" cy="307777"/>
+            <a:chOff x="4800820" y="3651562"/>
+            <a:chExt cx="2717324" cy="307777"/>
+          </a:xfrm>
+        </p:grpSpPr>
+        <p:sp>
+          <p:nvSpPr>
+            <p:cNvPr id="13" name="TextBox 12"/>
+            <p:cNvSpPr txBox="1"/>
+            <p:nvPr/>
+          </p:nvSpPr>
+          <p:spPr>
+            <a:xfrm>
+              <a:off x="6553200" y="3651562"/>
+              <a:ext cx="964944" cy="307777"/>
+            </a:xfrm>
+            <a:prstGeom prst="rect">
+              <a:avLst/>
+            </a:prstGeom>
+            <a:noFill/>
+            <a:ln>
+              <a:solidFill>
+                <a:srgbClr val="B2B2B2"/>
+              </a:solidFill>
+            </a:ln>
+          </p:spPr>
+          <p:txBody>
+            <a:bodyPr wrap="none" rtlCol="0">
+              <a:spAutoFit/>
+            </a:bodyPr>
+            <a:lstStyle/>
+            <a:p>
+              <a:r>
+                <a:rPr lang="en-US" sz="1400" i="1" dirty="0" smtClean="0"/>
+                <a:t>(first BPM)</a:t>
+              </a:r>
+              <a:endParaRPr lang="en-US" sz="1400" i="1" dirty="0"/>
+            </a:p>
+          </p:txBody>
+        </p:sp>
+        <p:cxnSp>
+          <p:nvCxnSpPr>
+            <p:cNvPr id="11" name="Straight Arrow Connector 10"/>
+            <p:cNvCxnSpPr/>
+            <p:nvPr/>
+          </p:nvCxnSpPr>
+          <p:spPr>
+            <a:xfrm flipH="1">
+              <a:off x="4800820" y="3809437"/>
+              <a:ext cx="1676180" cy="0"/>
+            </a:xfrm>
+            <a:prstGeom prst="straightConnector1">
+              <a:avLst/>
+            </a:prstGeom>
+            <a:ln w="38100">
+              <a:solidFill>
+                <a:srgbClr val="B2B2B2"/>
+              </a:solidFill>
+              <a:tailEnd type="oval"/>
+            </a:ln>
+          </p:spPr>
+          <p:style>
+            <a:lnRef idx="1">
+              <a:schemeClr val="accent1"/>
+            </a:lnRef>
+            <a:fillRef idx="0">
+              <a:schemeClr val="accent1"/>
+            </a:fillRef>
+            <a:effectRef idx="0">
+              <a:schemeClr val="accent1"/>
+            </a:effectRef>
+            <a:fontRef idx="minor">
+              <a:schemeClr val="tx1"/>
+            </a:fontRef>
+          </p:style>
+        </p:cxnSp>
+      </p:grpSp>
+      <p:grpSp>
+        <p:nvGrpSpPr>
+          <p:cNvPr id="23" name="Group 22"/>
+          <p:cNvGrpSpPr/>
+          <p:nvPr/>
+        </p:nvGrpSpPr>
+        <p:grpSpPr>
+          <a:xfrm>
+            <a:off x="4800820" y="5521955"/>
+            <a:ext cx="2696869" cy="307777"/>
+            <a:chOff x="4800820" y="3651562"/>
+            <a:chExt cx="2696869" cy="307777"/>
+          </a:xfrm>
+        </p:grpSpPr>
+        <p:sp>
+          <p:nvSpPr>
+            <p:cNvPr id="24" name="TextBox 23"/>
+            <p:cNvSpPr txBox="1"/>
+            <p:nvPr/>
+          </p:nvSpPr>
+          <p:spPr>
+            <a:xfrm>
+              <a:off x="6553200" y="3651562"/>
+              <a:ext cx="944489" cy="307777"/>
+            </a:xfrm>
+            <a:prstGeom prst="rect">
+              <a:avLst/>
+            </a:prstGeom>
+            <a:noFill/>
+            <a:ln>
+              <a:solidFill>
+                <a:srgbClr val="B2B2B2"/>
+              </a:solidFill>
+            </a:ln>
+          </p:spPr>
+          <p:txBody>
+            <a:bodyPr wrap="none" rtlCol="0">
+              <a:spAutoFit/>
+            </a:bodyPr>
+            <a:lstStyle/>
+            <a:p>
+              <a:r>
+                <a:rPr lang="en-US" sz="1400" i="1" dirty="0" smtClean="0"/>
+                <a:t>(</a:t>
+              </a:r>
+              <a:r>
+                <a:rPr lang="en-US" sz="1400" i="1" dirty="0" err="1" smtClean="0"/>
+                <a:t>avg</a:t>
+              </a:r>
+              <a:r>
+                <a:rPr lang="en-US" sz="1400" i="1" dirty="0" smtClean="0"/>
+                <a:t> BPM)</a:t>
+              </a:r>
+              <a:endParaRPr lang="en-US" sz="1400" i="1" dirty="0"/>
+            </a:p>
+          </p:txBody>
+        </p:sp>
+        <p:cxnSp>
+          <p:nvCxnSpPr>
+            <p:cNvPr id="25" name="Straight Arrow Connector 24"/>
+            <p:cNvCxnSpPr/>
+            <p:nvPr/>
+          </p:nvCxnSpPr>
+          <p:spPr>
+            <a:xfrm flipH="1">
+              <a:off x="4800820" y="3809437"/>
+              <a:ext cx="1676180" cy="0"/>
+            </a:xfrm>
+            <a:prstGeom prst="straightConnector1">
+              <a:avLst/>
+            </a:prstGeom>
+            <a:ln w="38100">
+              <a:solidFill>
+                <a:srgbClr val="B2B2B2"/>
+              </a:solidFill>
+              <a:tailEnd type="oval"/>
+            </a:ln>
+          </p:spPr>
+          <p:style>
+            <a:lnRef idx="1">
+              <a:schemeClr val="accent1"/>
+            </a:lnRef>
+            <a:fillRef idx="0">
+              <a:schemeClr val="accent1"/>
+            </a:fillRef>
+            <a:effectRef idx="0">
+              <a:schemeClr val="accent1"/>
+            </a:effectRef>
+            <a:fontRef idx="minor">
+              <a:schemeClr val="tx1"/>
+            </a:fontRef>
+          </p:style>
+        </p:cxnSp>
+      </p:grpSp>
+      <p:grpSp>
+        <p:nvGrpSpPr>
+          <p:cNvPr id="26" name="Group 25"/>
+          <p:cNvGrpSpPr/>
+          <p:nvPr/>
+        </p:nvGrpSpPr>
+        <p:grpSpPr>
+          <a:xfrm>
+            <a:off x="4793958" y="1576322"/>
+            <a:ext cx="3858213" cy="307777"/>
+            <a:chOff x="4800820" y="3651562"/>
+            <a:chExt cx="3858213" cy="307777"/>
+          </a:xfrm>
+        </p:grpSpPr>
+        <p:sp>
+          <p:nvSpPr>
+            <p:cNvPr id="27" name="TextBox 26"/>
+            <p:cNvSpPr txBox="1"/>
+            <p:nvPr/>
+          </p:nvSpPr>
+          <p:spPr>
+            <a:xfrm>
+              <a:off x="6553200" y="3651562"/>
+              <a:ext cx="2105833" cy="307777"/>
+            </a:xfrm>
+            <a:prstGeom prst="rect">
+              <a:avLst/>
+            </a:prstGeom>
+            <a:noFill/>
+            <a:ln>
+              <a:solidFill>
+                <a:srgbClr val="B2B2B2"/>
+              </a:solidFill>
+            </a:ln>
+          </p:spPr>
+          <p:txBody>
+            <a:bodyPr wrap="none" rtlCol="0">
+              <a:spAutoFit/>
+            </a:bodyPr>
+            <a:lstStyle/>
+            <a:p>
+              <a:r>
+                <a:rPr lang="en-US" sz="1400" i="1" dirty="0" smtClean="0"/>
+                <a:t>(correct BPM for first part)</a:t>
+              </a:r>
+              <a:endParaRPr lang="en-US" sz="1400" i="1" dirty="0"/>
+            </a:p>
+          </p:txBody>
+        </p:sp>
+        <p:cxnSp>
+          <p:nvCxnSpPr>
+            <p:cNvPr id="28" name="Straight Arrow Connector 27"/>
+            <p:cNvCxnSpPr/>
+            <p:nvPr/>
+          </p:nvCxnSpPr>
+          <p:spPr>
+            <a:xfrm flipH="1">
+              <a:off x="4800820" y="3809437"/>
+              <a:ext cx="1676180" cy="0"/>
+            </a:xfrm>
+            <a:prstGeom prst="straightConnector1">
+              <a:avLst/>
+            </a:prstGeom>
+            <a:ln w="38100">
+              <a:solidFill>
+                <a:srgbClr val="B2B2B2"/>
+              </a:solidFill>
+              <a:tailEnd type="oval"/>
+            </a:ln>
+          </p:spPr>
+          <p:style>
+            <a:lnRef idx="1">
+              <a:schemeClr val="accent1"/>
+            </a:lnRef>
+            <a:fillRef idx="0">
+              <a:schemeClr val="accent1"/>
+            </a:fillRef>
+            <a:effectRef idx="0">
+              <a:schemeClr val="accent1"/>
+            </a:effectRef>
+            <a:fontRef idx="minor">
+              <a:schemeClr val="tx1"/>
+            </a:fontRef>
+          </p:style>
+        </p:cxnSp>
+      </p:grpSp>
+      <p:grpSp>
+        <p:nvGrpSpPr>
+          <p:cNvPr id="29" name="Group 28"/>
+          <p:cNvGrpSpPr/>
+          <p:nvPr/>
+        </p:nvGrpSpPr>
+        <p:grpSpPr>
+          <a:xfrm>
+            <a:off x="5257801" y="4808561"/>
+            <a:ext cx="2847319" cy="307777"/>
+            <a:chOff x="4800820" y="3651562"/>
+            <a:chExt cx="3905251" cy="307777"/>
+          </a:xfrm>
+        </p:grpSpPr>
+        <p:sp>
+          <p:nvSpPr>
+            <p:cNvPr id="30" name="TextBox 29"/>
+            <p:cNvSpPr txBox="1"/>
+            <p:nvPr/>
+          </p:nvSpPr>
+          <p:spPr>
+            <a:xfrm>
+              <a:off x="6553198" y="3651562"/>
+              <a:ext cx="2152873" cy="307777"/>
+            </a:xfrm>
+            <a:prstGeom prst="rect">
+              <a:avLst/>
+            </a:prstGeom>
+            <a:noFill/>
+            <a:ln>
+              <a:solidFill>
+                <a:srgbClr val="B2B2B2"/>
+              </a:solidFill>
+            </a:ln>
+          </p:spPr>
+          <p:txBody>
+            <a:bodyPr wrap="none" rtlCol="0">
+              <a:spAutoFit/>
+            </a:bodyPr>
+            <a:lstStyle/>
+            <a:p>
+              <a:r>
+                <a:rPr lang="en-US" sz="1400" i="1" dirty="0" smtClean="0"/>
+                <a:t>(&gt;half a beat error)</a:t>
+              </a:r>
+              <a:endParaRPr lang="en-US" sz="1400" i="1" dirty="0"/>
+            </a:p>
+          </p:txBody>
+        </p:sp>
+        <p:cxnSp>
+          <p:nvCxnSpPr>
+            <p:cNvPr id="31" name="Straight Arrow Connector 30"/>
+            <p:cNvCxnSpPr/>
+            <p:nvPr/>
+          </p:nvCxnSpPr>
+          <p:spPr>
+            <a:xfrm flipH="1">
+              <a:off x="4800820" y="3809437"/>
+              <a:ext cx="1676180" cy="0"/>
+            </a:xfrm>
+            <a:prstGeom prst="straightConnector1">
+              <a:avLst/>
+            </a:prstGeom>
+            <a:ln w="38100">
+              <a:solidFill>
+                <a:srgbClr val="B2B2B2"/>
+              </a:solidFill>
+              <a:tailEnd type="oval"/>
+            </a:ln>
+          </p:spPr>
+          <p:style>
+            <a:lnRef idx="1">
+              <a:schemeClr val="accent1"/>
+            </a:lnRef>
+            <a:fillRef idx="0">
+              <a:schemeClr val="accent1"/>
+            </a:fillRef>
+            <a:effectRef idx="0">
+              <a:schemeClr val="accent1"/>
+            </a:effectRef>
+            <a:fontRef idx="minor">
+              <a:schemeClr val="tx1"/>
+            </a:fontRef>
+          </p:style>
+        </p:cxnSp>
+      </p:grpSp>
+      <p:grpSp>
+        <p:nvGrpSpPr>
+          <p:cNvPr id="32" name="Group 31"/>
+          <p:cNvGrpSpPr/>
+          <p:nvPr/>
+        </p:nvGrpSpPr>
+        <p:grpSpPr>
+          <a:xfrm>
+            <a:off x="5868850" y="828615"/>
+            <a:ext cx="2131274" cy="307777"/>
+            <a:chOff x="4800820" y="3651562"/>
+            <a:chExt cx="5303004" cy="307777"/>
+          </a:xfrm>
+        </p:grpSpPr>
+        <p:sp>
+          <p:nvSpPr>
+            <p:cNvPr id="33" name="TextBox 32"/>
+            <p:cNvSpPr txBox="1"/>
+            <p:nvPr/>
+          </p:nvSpPr>
+          <p:spPr>
+            <a:xfrm>
+              <a:off x="6553199" y="3651562"/>
+              <a:ext cx="3550625" cy="307777"/>
+            </a:xfrm>
+            <a:prstGeom prst="rect">
+              <a:avLst/>
+            </a:prstGeom>
+            <a:noFill/>
+            <a:ln>
+              <a:solidFill>
+                <a:srgbClr val="B2B2B2"/>
+              </a:solidFill>
+            </a:ln>
+          </p:spPr>
+          <p:txBody>
+            <a:bodyPr wrap="none" rtlCol="0">
+              <a:spAutoFit/>
+            </a:bodyPr>
+            <a:lstStyle/>
+            <a:p>
+              <a:r>
+                <a:rPr lang="en-US" sz="1400" i="1" dirty="0" smtClean="0"/>
+                <a:t>(maximum error)</a:t>
+              </a:r>
+              <a:endParaRPr lang="en-US" sz="1400" i="1" dirty="0"/>
+            </a:p>
+          </p:txBody>
+        </p:sp>
+        <p:cxnSp>
+          <p:nvCxnSpPr>
+            <p:cNvPr id="34" name="Straight Arrow Connector 33"/>
+            <p:cNvCxnSpPr/>
+            <p:nvPr/>
+          </p:nvCxnSpPr>
+          <p:spPr>
+            <a:xfrm flipH="1">
+              <a:off x="4800820" y="3809437"/>
+              <a:ext cx="1676180" cy="0"/>
+            </a:xfrm>
+            <a:prstGeom prst="straightConnector1">
+              <a:avLst/>
+            </a:prstGeom>
+            <a:ln w="38100">
+              <a:solidFill>
+                <a:srgbClr val="B2B2B2"/>
+              </a:solidFill>
+              <a:tailEnd type="oval"/>
+            </a:ln>
+          </p:spPr>
+          <p:style>
+            <a:lnRef idx="1">
+              <a:schemeClr val="accent1"/>
+            </a:lnRef>
+            <a:fillRef idx="0">
+              <a:schemeClr val="accent1"/>
+            </a:fillRef>
+            <a:effectRef idx="0">
+              <a:schemeClr val="accent1"/>
+            </a:effectRef>
+            <a:fontRef idx="minor">
+              <a:schemeClr val="tx1"/>
+            </a:fontRef>
+          </p:style>
+        </p:cxnSp>
+      </p:grpSp>
+      <p:sp>
+        <p:nvSpPr>
+          <p:cNvPr id="19" name="TextBox 18"/>
+          <p:cNvSpPr txBox="1"/>
+          <p:nvPr/>
+        </p:nvSpPr>
+        <p:spPr>
+          <a:xfrm>
+            <a:off x="383875" y="6057900"/>
+            <a:ext cx="8400417" cy="276999"/>
+          </a:xfrm>
+          <a:prstGeom prst="rect">
+            <a:avLst/>
+          </a:prstGeom>
+          <a:noFill/>
+        </p:spPr>
+        <p:txBody>
+          <a:bodyPr wrap="square" rtlCol="0">
+            <a:spAutoFit/>
+          </a:bodyPr>
+          <a:lstStyle/>
+          <a:p>
+            <a:r>
+              <a:rPr lang="en-US" sz="1200" dirty="0">
+                <a:hlinkClick r:id="rId7"/>
+              </a:rPr>
+              <a:t>https://</a:t>
+            </a:r>
+            <a:r>
+              <a:rPr lang="en-US" sz="1200" dirty="0" smtClean="0">
+                <a:hlinkClick r:id="rId7"/>
+              </a:rPr>
+              <a:t>www.native-instruments.com/forum/threads/how-to-emulate-elastic-beatgrids-in-traktor-via-rekordbox-conversion.375229</a:t>
+            </a:r>
+            <a:endParaRPr lang="en-US" sz="1200" dirty="0"/>
+          </a:p>
+        </p:txBody>
+      </p:sp>
+    </p:spTree>
+    <p:extLst>
+      <p:ext uri="{BB962C8B-B14F-4D97-AF65-F5344CB8AC3E}">
+        <p14:creationId xmlns:p14="http://schemas.microsoft.com/office/powerpoint/2010/main" val="3141860709"/>
+      </p:ext>
+    </p:extLst>
+  </p:cSld>
+  <p:clrMapOvr>
+    <a:masterClrMapping/>
+  </p:clrMapOvr>
+</p:sld>
+</file>
+
+<file path=ppt/slides/slide2.xml><?xml version="1.0" encoding="utf-8"?>
+<p:sld xmlns:a="http://schemas.openxmlformats.org/drawingml/2006/main" xmlns:r="http://schemas.openxmlformats.org/officeDocument/2006/relationships" xmlns:p="http://schemas.openxmlformats.org/presentationml/2006/main">
+  <p:cSld>
+    <p:spTree>
+      <p:nvGrpSpPr>
+        <p:cNvPr id="1" name=""/>
+        <p:cNvGrpSpPr/>
+        <p:nvPr/>
+      </p:nvGrpSpPr>
+      <p:grpSpPr>
+        <a:xfrm>
+          <a:off x="0" y="0"/>
+          <a:ext cx="0" cy="0"/>
+          <a:chOff x="0" y="0"/>
+          <a:chExt cx="0" cy="0"/>
+        </a:xfrm>
+      </p:grpSpPr>
+      <p:sp>
+        <p:nvSpPr>
+          <p:cNvPr id="36" name="TextBox 35"/>
+          <p:cNvSpPr txBox="1"/>
+          <p:nvPr/>
+        </p:nvSpPr>
+        <p:spPr>
+          <a:xfrm>
+            <a:off x="155575" y="109216"/>
+            <a:ext cx="2731453" cy="646331"/>
+          </a:xfrm>
+          <a:prstGeom prst="rect">
+            <a:avLst/>
+          </a:prstGeom>
+          <a:noFill/>
+        </p:spPr>
+        <p:txBody>
+          <a:bodyPr wrap="none" rtlCol="0">
+            <a:spAutoFit/>
+          </a:bodyPr>
+          <a:lstStyle/>
+          <a:p>
+            <a:r>
+              <a:rPr lang="en-US" b="1" dirty="0" smtClean="0"/>
+              <a:t>Elastic </a:t>
+            </a:r>
+            <a:r>
+              <a:rPr lang="en-US" b="1" dirty="0" err="1" smtClean="0"/>
+              <a:t>Beatgrid</a:t>
+            </a:r>
+            <a:r>
+              <a:rPr lang="en-US" b="1" dirty="0" smtClean="0"/>
+              <a:t> emulation </a:t>
+            </a:r>
+          </a:p>
+          <a:p>
+            <a:r>
+              <a:rPr lang="en-US" b="1" dirty="0" smtClean="0"/>
+              <a:t>(simplest case)</a:t>
+            </a:r>
+            <a:endParaRPr lang="en-US" b="1" dirty="0"/>
+          </a:p>
+        </p:txBody>
+      </p:sp>
+      <p:sp>
+        <p:nvSpPr>
+          <p:cNvPr id="5" name="AutoShape 4" descr="Rekord Buddy (@RekordBuddy) | Twitter"/>
+          <p:cNvSpPr>
+            <a:spLocks noChangeAspect="1" noChangeArrowheads="1"/>
+          </p:cNvSpPr>
+          <p:nvPr/>
+        </p:nvSpPr>
+        <p:spPr bwMode="auto">
+          <a:xfrm>
+            <a:off x="155575" y="-144463"/>
+            <a:ext cx="304800" cy="304801"/>
+          </a:xfrm>
+          <a:prstGeom prst="rect">
+            <a:avLst/>
+          </a:prstGeom>
+          <a:noFill/>
+          <a:extLst>
+            <a:ext uri="{909E8E84-426E-40DD-AFC4-6F175D3DCCD1}">
+              <a14:hiddenFill xmlns:a14="http://schemas.microsoft.com/office/drawing/2010/main">
+                <a:solidFill>
+                  <a:srgbClr val="FFFFFF"/>
+                </a:solidFill>
+              </a14:hiddenFill>
+            </a:ext>
+          </a:extLst>
+        </p:spPr>
+        <p:txBody>
+          <a:bodyPr vert="horz" wrap="square" lIns="91440" tIns="45720" rIns="91440" bIns="45720" numCol="1" anchor="t" anchorCtr="0" compatLnSpc="1">
+            <a:prstTxWarp prst="textNoShape">
+              <a:avLst/>
+            </a:prstTxWarp>
+          </a:bodyPr>
+          <a:lstStyle/>
+          <a:p>
+            <a:endParaRPr lang="en-US"/>
+          </a:p>
+        </p:txBody>
+      </p:sp>
+      <p:sp>
+        <p:nvSpPr>
+          <p:cNvPr id="6" name="AutoShape 6" descr="Rekord Buddy (@RekordBuddy) | Twitter"/>
+          <p:cNvSpPr>
+            <a:spLocks noChangeAspect="1" noChangeArrowheads="1"/>
+          </p:cNvSpPr>
+          <p:nvPr/>
+        </p:nvSpPr>
+        <p:spPr bwMode="auto">
+          <a:xfrm>
+            <a:off x="307975" y="7937"/>
+            <a:ext cx="304800" cy="304801"/>
+          </a:xfrm>
+          <a:prstGeom prst="rect">
+            <a:avLst/>
+          </a:prstGeom>
+          <a:noFill/>
+          <a:extLst>
+            <a:ext uri="{909E8E84-426E-40DD-AFC4-6F175D3DCCD1}">
+              <a14:hiddenFill xmlns:a14="http://schemas.microsoft.com/office/drawing/2010/main">
+                <a:solidFill>
+                  <a:srgbClr val="FFFFFF"/>
+                </a:solidFill>
+              </a14:hiddenFill>
+            </a:ext>
+          </a:extLst>
+        </p:spPr>
+        <p:txBody>
+          <a:bodyPr vert="horz" wrap="square" lIns="91440" tIns="45720" rIns="91440" bIns="45720" numCol="1" anchor="t" anchorCtr="0" compatLnSpc="1">
+            <a:prstTxWarp prst="textNoShape">
+              <a:avLst/>
+            </a:prstTxWarp>
+          </a:bodyPr>
+          <a:lstStyle/>
+          <a:p>
+            <a:endParaRPr lang="en-US"/>
+          </a:p>
+        </p:txBody>
+      </p:sp>
+      <p:grpSp>
+        <p:nvGrpSpPr>
+          <p:cNvPr id="25" name="Group 24"/>
+          <p:cNvGrpSpPr/>
+          <p:nvPr/>
+        </p:nvGrpSpPr>
+        <p:grpSpPr>
+          <a:xfrm>
+            <a:off x="2743200" y="96889"/>
+            <a:ext cx="4581166" cy="6279832"/>
+            <a:chOff x="2393807" y="96889"/>
+            <a:chExt cx="4581166" cy="6279832"/>
+          </a:xfrm>
+        </p:grpSpPr>
+        <p:sp>
+          <p:nvSpPr>
+            <p:cNvPr id="14" name="Down Arrow 13"/>
+            <p:cNvSpPr/>
+            <p:nvPr/>
+          </p:nvSpPr>
+          <p:spPr>
+            <a:xfrm>
+              <a:off x="4045812" y="3063902"/>
+              <a:ext cx="152036" cy="470623"/>
+            </a:xfrm>
+            <a:prstGeom prst="downArrow">
+              <a:avLst/>
+            </a:prstGeom>
+          </p:spPr>
+          <p:style>
+            <a:lnRef idx="2">
+              <a:schemeClr val="accent1">
+                <a:shade val="50000"/>
+              </a:schemeClr>
+            </a:lnRef>
+            <a:fillRef idx="1">
+              <a:schemeClr val="accent1"/>
+            </a:fillRef>
+            <a:effectRef idx="0">
+              <a:schemeClr val="accent1"/>
+            </a:effectRef>
+            <a:fontRef idx="minor">
+              <a:schemeClr val="lt1"/>
+            </a:fontRef>
+          </p:style>
+          <p:txBody>
+            <a:bodyPr rtlCol="0" anchor="ctr"/>
+            <a:lstStyle/>
+            <a:p>
+              <a:pPr algn="ctr"/>
+              <a:endParaRPr lang="en-US"/>
+            </a:p>
+          </p:txBody>
+        </p:sp>
+        <p:sp>
+          <p:nvSpPr>
+            <p:cNvPr id="27" name="Down Arrow 26"/>
+            <p:cNvSpPr/>
+            <p:nvPr/>
+          </p:nvSpPr>
+          <p:spPr>
+            <a:xfrm>
+              <a:off x="4041399" y="630888"/>
+              <a:ext cx="152400" cy="533400"/>
+            </a:xfrm>
+            <a:prstGeom prst="downArrow">
+              <a:avLst/>
+            </a:prstGeom>
+          </p:spPr>
+          <p:style>
+            <a:lnRef idx="2">
+              <a:schemeClr val="accent1">
+                <a:shade val="50000"/>
+              </a:schemeClr>
+            </a:lnRef>
+            <a:fillRef idx="1">
+              <a:schemeClr val="accent1"/>
+            </a:fillRef>
+            <a:effectRef idx="0">
+              <a:schemeClr val="accent1"/>
+            </a:effectRef>
+            <a:fontRef idx="minor">
+              <a:schemeClr val="lt1"/>
+            </a:fontRef>
+          </p:style>
+          <p:txBody>
+            <a:bodyPr rtlCol="0" anchor="ctr"/>
+            <a:lstStyle/>
+            <a:p>
+              <a:pPr algn="ctr"/>
+              <a:endParaRPr lang="en-US"/>
+            </a:p>
+          </p:txBody>
+        </p:sp>
+        <p:sp>
+          <p:nvSpPr>
+            <p:cNvPr id="35" name="Down Arrow 34"/>
+            <p:cNvSpPr/>
+            <p:nvPr/>
+          </p:nvSpPr>
+          <p:spPr>
+            <a:xfrm>
+              <a:off x="4053852" y="4331912"/>
+              <a:ext cx="152400" cy="512120"/>
+            </a:xfrm>
+            <a:prstGeom prst="downArrow">
+              <a:avLst/>
+            </a:prstGeom>
+          </p:spPr>
+          <p:style>
+            <a:lnRef idx="2">
+              <a:schemeClr val="accent1">
+                <a:shade val="50000"/>
+              </a:schemeClr>
+            </a:lnRef>
+            <a:fillRef idx="1">
+              <a:schemeClr val="accent1"/>
+            </a:fillRef>
+            <a:effectRef idx="0">
+              <a:schemeClr val="accent1"/>
+            </a:effectRef>
+            <a:fontRef idx="minor">
+              <a:schemeClr val="lt1"/>
+            </a:fontRef>
+          </p:style>
+          <p:txBody>
+            <a:bodyPr rtlCol="0" anchor="ctr"/>
+            <a:lstStyle/>
+            <a:p>
+              <a:pPr algn="ctr"/>
+              <a:endParaRPr lang="en-US"/>
+            </a:p>
+          </p:txBody>
+        </p:sp>
+        <p:sp>
+          <p:nvSpPr>
+            <p:cNvPr id="7" name="AutoShape 15" descr="Manual de instruções"/>
+            <p:cNvSpPr>
+              <a:spLocks noChangeAspect="1" noChangeArrowheads="1"/>
+            </p:cNvSpPr>
+            <p:nvPr/>
+          </p:nvSpPr>
+          <p:spPr bwMode="auto">
+            <a:xfrm>
+              <a:off x="3380309" y="162454"/>
+              <a:ext cx="304800" cy="304801"/>
+            </a:xfrm>
+            <a:prstGeom prst="rect">
+              <a:avLst/>
+            </a:prstGeom>
+            <a:noFill/>
+            <a:extLst>
+              <a:ext uri="{909E8E84-426E-40DD-AFC4-6F175D3DCCD1}">
+                <a14:hiddenFill xmlns:a14="http://schemas.microsoft.com/office/drawing/2010/main">
+                  <a:solidFill>
+                    <a:srgbClr val="FFFFFF"/>
+                  </a:solidFill>
+                </a14:hiddenFill>
+              </a:ext>
+            </a:extLst>
+          </p:spPr>
+          <p:txBody>
+            <a:bodyPr vert="horz" wrap="square" lIns="91440" tIns="45720" rIns="91440" bIns="45720" numCol="1" anchor="t" anchorCtr="0" compatLnSpc="1">
+              <a:prstTxWarp prst="textNoShape">
+                <a:avLst/>
+              </a:prstTxWarp>
+            </a:bodyPr>
+            <a:lstStyle/>
+            <a:p>
+              <a:endParaRPr lang="en-US"/>
+            </a:p>
+          </p:txBody>
+        </p:sp>
+        <p:pic>
+          <p:nvPicPr>
+            <p:cNvPr id="2066" name="Picture 18" descr="Native Instruments Traktor Pro 2 logo | Logos"/>
+            <p:cNvPicPr>
+              <a:picLocks noChangeAspect="1" noChangeArrowheads="1"/>
+            </p:cNvPicPr>
+            <p:nvPr/>
+          </p:nvPicPr>
+          <p:blipFill rotWithShape="1">
+            <a:blip r:embed="rId2" cstate="print">
+              <a:extLst>
+                <a:ext uri="{28A0092B-C50C-407E-A947-70E740481C1C}">
+                  <a14:useLocalDpi xmlns:a14="http://schemas.microsoft.com/office/drawing/2010/main" val="0"/>
+                </a:ext>
+              </a:extLst>
+            </a:blip>
+            <a:srcRect l="10524" t="10962" r="11402" b="9447"/>
+            <a:stretch/>
+          </p:blipFill>
+          <p:spPr bwMode="auto">
+            <a:xfrm>
+              <a:off x="3937391" y="5943600"/>
+              <a:ext cx="424868" cy="433121"/>
+            </a:xfrm>
+            <a:prstGeom prst="rect">
+              <a:avLst/>
+            </a:prstGeom>
+            <a:noFill/>
+            <a:extLst>
+              <a:ext uri="{909E8E84-426E-40DD-AFC4-6F175D3DCCD1}">
+                <a14:hiddenFill xmlns:a14="http://schemas.microsoft.com/office/drawing/2010/main">
+                  <a:solidFill>
+                    <a:srgbClr val="FFFFFF"/>
+                  </a:solidFill>
+                </a14:hiddenFill>
+              </a:ext>
+            </a:extLst>
+          </p:spPr>
+        </p:pic>
+        <p:grpSp>
+          <p:nvGrpSpPr>
+            <p:cNvPr id="24" name="Group 23"/>
+            <p:cNvGrpSpPr/>
+            <p:nvPr/>
+          </p:nvGrpSpPr>
+          <p:grpSpPr>
+            <a:xfrm>
+              <a:off x="3917807" y="96889"/>
+              <a:ext cx="2924718" cy="461665"/>
+              <a:chOff x="3933282" y="410845"/>
+              <a:chExt cx="2924718" cy="461665"/>
+            </a:xfrm>
+          </p:grpSpPr>
+          <p:pic>
+            <p:nvPicPr>
+              <p:cNvPr id="2068" name="Picture 20" descr="MP3 File Format To Discontinue – theFIVE10.com"/>
+              <p:cNvPicPr>
+                <a:picLocks noChangeAspect="1" noChangeArrowheads="1"/>
+              </p:cNvPicPr>
+              <p:nvPr/>
+            </p:nvPicPr>
+            <p:blipFill>
+              <a:blip r:embed="rId3" cstate="print">
+                <a:extLst>
+                  <a:ext uri="{28A0092B-C50C-407E-A947-70E740481C1C}">
+                    <a14:useLocalDpi xmlns:a14="http://schemas.microsoft.com/office/drawing/2010/main" val="0"/>
+                  </a:ext>
+                </a:extLst>
+              </a:blip>
+              <a:srcRect/>
+              <a:stretch>
+                <a:fillRect/>
+              </a:stretch>
+            </p:blipFill>
+            <p:spPr bwMode="auto">
+              <a:xfrm>
+                <a:off x="3933282" y="410845"/>
+                <a:ext cx="349750" cy="439949"/>
+              </a:xfrm>
+              <a:prstGeom prst="rect">
+                <a:avLst/>
+              </a:prstGeom>
+              <a:noFill/>
+              <a:extLst>
+                <a:ext uri="{909E8E84-426E-40DD-AFC4-6F175D3DCCD1}">
+                  <a14:hiddenFill xmlns:a14="http://schemas.microsoft.com/office/drawing/2010/main">
+                    <a:solidFill>
+                      <a:srgbClr val="FFFFFF"/>
+                    </a:solidFill>
+                  </a14:hiddenFill>
+                </a:ext>
+              </a:extLst>
+            </p:spPr>
+          </p:pic>
+          <p:sp>
+            <p:nvSpPr>
+              <p:cNvPr id="38" name="TextBox 37"/>
+              <p:cNvSpPr txBox="1"/>
+              <p:nvPr/>
+            </p:nvSpPr>
+            <p:spPr>
+              <a:xfrm>
+                <a:off x="4443935" y="410845"/>
+                <a:ext cx="2414065" cy="461665"/>
+              </a:xfrm>
+              <a:prstGeom prst="rect">
+                <a:avLst/>
+              </a:prstGeom>
+              <a:noFill/>
+            </p:spPr>
+            <p:txBody>
+              <a:bodyPr wrap="square" rtlCol="0">
+                <a:spAutoFit/>
+              </a:bodyPr>
+              <a:lstStyle/>
+              <a:p>
+                <a:r>
+                  <a:rPr lang="en-US" sz="1200" b="1" dirty="0" smtClean="0"/>
+                  <a:t>Files with </a:t>
+                </a:r>
+                <a:r>
+                  <a:rPr lang="en-US" sz="1200" b="1" u="sng" dirty="0" smtClean="0"/>
+                  <a:t>one</a:t>
+                </a:r>
+                <a:r>
+                  <a:rPr lang="en-US" sz="1200" b="1" dirty="0" smtClean="0"/>
+                  <a:t> Unsteady BPM</a:t>
+                </a:r>
+              </a:p>
+              <a:p>
+                <a:r>
+                  <a:rPr lang="en-US" sz="1200" dirty="0" smtClean="0"/>
+                  <a:t>(ignore files with multiple BPMs)</a:t>
+                </a:r>
+                <a:endParaRPr lang="en-US" sz="1200" dirty="0" smtClean="0"/>
+              </a:p>
+            </p:txBody>
+          </p:sp>
+        </p:grpSp>
+        <p:sp>
+          <p:nvSpPr>
+            <p:cNvPr id="39" name="Down Arrow 38"/>
+            <p:cNvSpPr/>
+            <p:nvPr/>
+          </p:nvSpPr>
+          <p:spPr>
+            <a:xfrm>
+              <a:off x="4037234" y="1791070"/>
+              <a:ext cx="152400" cy="533400"/>
+            </a:xfrm>
+            <a:prstGeom prst="downArrow">
+              <a:avLst/>
+            </a:prstGeom>
+          </p:spPr>
+          <p:style>
+            <a:lnRef idx="2">
+              <a:schemeClr val="accent1">
+                <a:shade val="50000"/>
+              </a:schemeClr>
+            </a:lnRef>
+            <a:fillRef idx="1">
+              <a:schemeClr val="accent1"/>
+            </a:fillRef>
+            <a:effectRef idx="0">
+              <a:schemeClr val="accent1"/>
+            </a:effectRef>
+            <a:fontRef idx="minor">
+              <a:schemeClr val="lt1"/>
+            </a:fontRef>
+          </p:style>
+          <p:txBody>
+            <a:bodyPr rtlCol="0" anchor="ctr"/>
+            <a:lstStyle/>
+            <a:p>
+              <a:pPr algn="ctr"/>
+              <a:endParaRPr lang="en-US"/>
+            </a:p>
+          </p:txBody>
+        </p:sp>
+        <p:pic>
+          <p:nvPicPr>
+            <p:cNvPr id="2072" name="Picture 24" descr="Como Abrir O Arquivo NML? Extensão Do Arquivo .NML - File ..."/>
+            <p:cNvPicPr>
+              <a:picLocks noChangeAspect="1" noChangeArrowheads="1"/>
+            </p:cNvPicPr>
+            <p:nvPr/>
+          </p:nvPicPr>
+          <p:blipFill>
+            <a:blip r:embed="rId4" cstate="print">
+              <a:extLst>
+                <a:ext uri="{28A0092B-C50C-407E-A947-70E740481C1C}">
+                  <a14:useLocalDpi xmlns:a14="http://schemas.microsoft.com/office/drawing/2010/main" val="0"/>
+                </a:ext>
+              </a:extLst>
+            </a:blip>
+            <a:srcRect/>
+            <a:stretch>
+              <a:fillRect/>
+            </a:stretch>
+          </p:blipFill>
+          <p:spPr bwMode="auto">
+            <a:xfrm>
+              <a:off x="3893786" y="4904306"/>
+              <a:ext cx="498029" cy="498030"/>
+            </a:xfrm>
+            <a:prstGeom prst="rect">
+              <a:avLst/>
+            </a:prstGeom>
+            <a:noFill/>
+            <a:extLst>
+              <a:ext uri="{909E8E84-426E-40DD-AFC4-6F175D3DCCD1}">
+                <a14:hiddenFill xmlns:a14="http://schemas.microsoft.com/office/drawing/2010/main">
+                  <a:solidFill>
+                    <a:srgbClr val="FFFFFF"/>
+                  </a:solidFill>
+                </a14:hiddenFill>
+              </a:ext>
+            </a:extLst>
+          </p:spPr>
+        </p:pic>
+        <p:sp>
+          <p:nvSpPr>
+            <p:cNvPr id="43" name="TextBox 42"/>
+            <p:cNvSpPr txBox="1"/>
+            <p:nvPr/>
+          </p:nvSpPr>
+          <p:spPr>
+            <a:xfrm>
+              <a:off x="2415556" y="755547"/>
+              <a:ext cx="1502251" cy="276999"/>
+            </a:xfrm>
+            <a:prstGeom prst="rect">
+              <a:avLst/>
+            </a:prstGeom>
+            <a:noFill/>
+          </p:spPr>
+          <p:txBody>
+            <a:bodyPr wrap="square" rtlCol="0">
+              <a:spAutoFit/>
+            </a:bodyPr>
+            <a:lstStyle/>
+            <a:p>
+              <a:pPr algn="r"/>
+              <a:r>
+                <a:rPr lang="en-US" sz="1200" dirty="0" smtClean="0"/>
+                <a:t>(Import files)</a:t>
+              </a:r>
+            </a:p>
+          </p:txBody>
+        </p:sp>
+        <p:grpSp>
+          <p:nvGrpSpPr>
+            <p:cNvPr id="17" name="Group 16"/>
+            <p:cNvGrpSpPr/>
+            <p:nvPr/>
+          </p:nvGrpSpPr>
+          <p:grpSpPr>
+            <a:xfrm>
+              <a:off x="3903530" y="1219911"/>
+              <a:ext cx="3071443" cy="468243"/>
+              <a:chOff x="3908364" y="1647581"/>
+              <a:chExt cx="3071443" cy="468243"/>
+            </a:xfrm>
+          </p:grpSpPr>
+          <p:pic>
+            <p:nvPicPr>
+              <p:cNvPr id="2064" name="Picture 16"/>
+              <p:cNvPicPr>
+                <a:picLocks noChangeAspect="1" noChangeArrowheads="1"/>
+              </p:cNvPicPr>
+              <p:nvPr/>
+            </p:nvPicPr>
+            <p:blipFill rotWithShape="1">
+              <a:blip r:embed="rId5">
+                <a:extLst>
+                  <a:ext uri="{28A0092B-C50C-407E-A947-70E740481C1C}">
+                    <a14:useLocalDpi xmlns:a14="http://schemas.microsoft.com/office/drawing/2010/main" val="0"/>
+                  </a:ext>
+                </a:extLst>
+              </a:blip>
+              <a:srcRect l="14652" t="15260" r="14286" b="4308"/>
+              <a:stretch/>
+            </p:blipFill>
+            <p:spPr bwMode="auto">
+              <a:xfrm>
+                <a:off x="3908364" y="1666513"/>
+                <a:ext cx="374668" cy="449311"/>
+              </a:xfrm>
+              <a:prstGeom prst="rect">
+                <a:avLst/>
+              </a:prstGeom>
+              <a:noFill/>
+              <a:ln>
+                <a:noFill/>
+              </a:ln>
+              <a:extLst>
+                <a:ext uri="{909E8E84-426E-40DD-AFC4-6F175D3DCCD1}">
+                  <a14:hiddenFill xmlns:a14="http://schemas.microsoft.com/office/drawing/2010/main">
+                    <a:solidFill>
+                      <a:schemeClr val="accent1"/>
+                    </a:solidFill>
+                  </a14:hiddenFill>
+                </a:ext>
+                <a:ext uri="{91240B29-F687-4F45-9708-019B960494DF}">
+                  <a14:hiddenLine xmlns:a14="http://schemas.microsoft.com/office/drawing/2010/main" w="9525">
+                    <a:solidFill>
+                      <a:schemeClr val="tx1"/>
+                    </a:solidFill>
+                    <a:miter lim="800000"/>
+                    <a:headEnd/>
+                    <a:tailEnd/>
+                  </a14:hiddenLine>
+                </a:ext>
+              </a:extLst>
+            </p:spPr>
+          </p:pic>
+          <p:sp>
+            <p:nvSpPr>
+              <p:cNvPr id="48" name="TextBox 47"/>
+              <p:cNvSpPr txBox="1"/>
+              <p:nvPr/>
+            </p:nvSpPr>
+            <p:spPr>
+              <a:xfrm>
+                <a:off x="4433294" y="1647581"/>
+                <a:ext cx="2546513" cy="461665"/>
+              </a:xfrm>
+              <a:prstGeom prst="rect">
+                <a:avLst/>
+              </a:prstGeom>
+              <a:noFill/>
+            </p:spPr>
+            <p:txBody>
+              <a:bodyPr wrap="square" rtlCol="0">
+                <a:spAutoFit/>
+              </a:bodyPr>
+              <a:lstStyle/>
+              <a:p>
+                <a:r>
+                  <a:rPr lang="en-US" sz="1200" b="1" dirty="0" err="1" smtClean="0"/>
+                  <a:t>Rekordbox</a:t>
+                </a:r>
+                <a:r>
+                  <a:rPr lang="en-US" sz="1200" b="1" dirty="0" smtClean="0"/>
+                  <a:t> V5.6.0 Free</a:t>
+                </a:r>
+              </a:p>
+              <a:p>
+                <a:r>
+                  <a:rPr lang="en-US" sz="1200" b="1" dirty="0" smtClean="0"/>
+                  <a:t>(DO NOT USE v6!)</a:t>
+                </a:r>
+              </a:p>
+            </p:txBody>
+          </p:sp>
+        </p:grpSp>
+        <p:grpSp>
+          <p:nvGrpSpPr>
+            <p:cNvPr id="16" name="Group 15"/>
+            <p:cNvGrpSpPr/>
+            <p:nvPr/>
+          </p:nvGrpSpPr>
+          <p:grpSpPr>
+            <a:xfrm>
+              <a:off x="3847395" y="2416332"/>
+              <a:ext cx="1462064" cy="548870"/>
+              <a:chOff x="3837952" y="3135987"/>
+              <a:chExt cx="1462064" cy="548870"/>
+            </a:xfrm>
+          </p:grpSpPr>
+          <p:pic>
+            <p:nvPicPr>
+              <p:cNvPr id="2050" name="Picture 2" descr="File, xml, xml file, xml file format icon"/>
+              <p:cNvPicPr>
+                <a:picLocks noChangeAspect="1" noChangeArrowheads="1"/>
+              </p:cNvPicPr>
+              <p:nvPr/>
+            </p:nvPicPr>
+            <p:blipFill>
+              <a:blip r:embed="rId6" cstate="print">
+                <a:extLst>
+                  <a:ext uri="{28A0092B-C50C-407E-A947-70E740481C1C}">
+                    <a14:useLocalDpi xmlns:a14="http://schemas.microsoft.com/office/drawing/2010/main" val="0"/>
+                  </a:ext>
+                </a:extLst>
+              </a:blip>
+              <a:srcRect/>
+              <a:stretch>
+                <a:fillRect/>
+              </a:stretch>
+            </p:blipFill>
+            <p:spPr bwMode="auto">
+              <a:xfrm>
+                <a:off x="3837952" y="3135987"/>
+                <a:ext cx="548870" cy="548870"/>
+              </a:xfrm>
+              <a:prstGeom prst="rect">
+                <a:avLst/>
+              </a:prstGeom>
+              <a:noFill/>
+              <a:extLst>
+                <a:ext uri="{909E8E84-426E-40DD-AFC4-6F175D3DCCD1}">
+                  <a14:hiddenFill xmlns:a14="http://schemas.microsoft.com/office/drawing/2010/main">
+                    <a:solidFill>
+                      <a:srgbClr val="FFFFFF"/>
+                    </a:solidFill>
+                  </a14:hiddenFill>
+                </a:ext>
+              </a:extLst>
+            </p:spPr>
+          </p:pic>
+          <p:sp>
+            <p:nvSpPr>
+              <p:cNvPr id="49" name="TextBox 48"/>
+              <p:cNvSpPr txBox="1"/>
+              <p:nvPr/>
+            </p:nvSpPr>
+            <p:spPr>
+              <a:xfrm>
+                <a:off x="4394053" y="3251451"/>
+                <a:ext cx="905963" cy="276999"/>
+              </a:xfrm>
+              <a:prstGeom prst="rect">
+                <a:avLst/>
+              </a:prstGeom>
+              <a:noFill/>
+            </p:spPr>
+            <p:txBody>
+              <a:bodyPr wrap="square" rtlCol="0">
+                <a:spAutoFit/>
+              </a:bodyPr>
+              <a:lstStyle/>
+              <a:p>
+                <a:r>
+                  <a:rPr lang="en-US" sz="1200" b="1" dirty="0" smtClean="0"/>
+                  <a:t>XML file</a:t>
+                </a:r>
+              </a:p>
+            </p:txBody>
+          </p:sp>
+        </p:grpSp>
+        <p:grpSp>
+          <p:nvGrpSpPr>
+            <p:cNvPr id="13" name="Group 12"/>
+            <p:cNvGrpSpPr/>
+            <p:nvPr/>
+          </p:nvGrpSpPr>
+          <p:grpSpPr>
+            <a:xfrm>
+              <a:off x="2817698" y="3569751"/>
+              <a:ext cx="4024827" cy="591260"/>
+              <a:chOff x="2808255" y="4261728"/>
+              <a:chExt cx="4024827" cy="591260"/>
+            </a:xfrm>
+          </p:grpSpPr>
+          <p:grpSp>
+            <p:nvGrpSpPr>
+              <p:cNvPr id="12" name="Group 11"/>
+              <p:cNvGrpSpPr/>
+              <p:nvPr/>
+            </p:nvGrpSpPr>
+            <p:grpSpPr>
+              <a:xfrm>
+                <a:off x="2808255" y="4261728"/>
+                <a:ext cx="2599803" cy="591260"/>
+                <a:chOff x="2843735" y="4261728"/>
+                <a:chExt cx="2599803" cy="591260"/>
+              </a:xfrm>
+            </p:grpSpPr>
+            <p:grpSp>
+              <p:nvGrpSpPr>
+                <p:cNvPr id="10" name="Group 9"/>
+                <p:cNvGrpSpPr/>
+                <p:nvPr/>
+              </p:nvGrpSpPr>
+              <p:grpSpPr>
+                <a:xfrm>
+                  <a:off x="2893619" y="4334502"/>
+                  <a:ext cx="2491759" cy="466098"/>
+                  <a:chOff x="2893619" y="4231923"/>
+                  <a:chExt cx="2491759" cy="466098"/>
+                </a:xfrm>
+              </p:grpSpPr>
+              <p:pic>
+                <p:nvPicPr>
+                  <p:cNvPr id="2056" name="Picture 8" descr="https://pbs.twimg.com/profile_images/816172421669490688/RZU9FHR0_400x400.jpg"/>
+                  <p:cNvPicPr>
+                    <a:picLocks noChangeAspect="1" noChangeArrowheads="1"/>
+                  </p:cNvPicPr>
+                  <p:nvPr/>
+                </p:nvPicPr>
+                <p:blipFill>
+                  <a:blip r:embed="rId7" cstate="print">
+                    <a:extLst>
+                      <a:ext uri="{28A0092B-C50C-407E-A947-70E740481C1C}">
+                        <a14:useLocalDpi xmlns:a14="http://schemas.microsoft.com/office/drawing/2010/main" val="0"/>
+                      </a:ext>
+                    </a:extLst>
+                  </a:blip>
+                  <a:srcRect/>
+                  <a:stretch>
+                    <a:fillRect/>
+                  </a:stretch>
+                </p:blipFill>
+                <p:spPr bwMode="auto">
+                  <a:xfrm>
+                    <a:off x="2893619" y="4231923"/>
+                    <a:ext cx="454429" cy="454429"/>
+                  </a:xfrm>
+                  <a:prstGeom prst="rect">
+                    <a:avLst/>
+                  </a:prstGeom>
+                  <a:noFill/>
+                  <a:extLst>
+                    <a:ext uri="{909E8E84-426E-40DD-AFC4-6F175D3DCCD1}">
+                      <a14:hiddenFill xmlns:a14="http://schemas.microsoft.com/office/drawing/2010/main">
+                        <a:solidFill>
+                          <a:srgbClr val="FFFFFF"/>
+                        </a:solidFill>
+                      </a14:hiddenFill>
+                    </a:ext>
+                  </a:extLst>
+                </p:spPr>
+              </p:pic>
+              <p:pic>
+                <p:nvPicPr>
+                  <p:cNvPr id="2060" name="Picture 12" descr="DJ Conversion Utility (DJCU) app presentation - YouTube"/>
+                  <p:cNvPicPr>
+                    <a:picLocks noChangeAspect="1" noChangeArrowheads="1"/>
+                  </p:cNvPicPr>
+                  <p:nvPr/>
+                </p:nvPicPr>
+                <p:blipFill rotWithShape="1">
+                  <a:blip r:embed="rId8" cstate="print">
+                    <a:extLst>
+                      <a:ext uri="{28A0092B-C50C-407E-A947-70E740481C1C}">
+                        <a14:useLocalDpi xmlns:a14="http://schemas.microsoft.com/office/drawing/2010/main" val="0"/>
+                      </a:ext>
+                    </a:extLst>
+                  </a:blip>
+                  <a:srcRect l="12465" r="11436"/>
+                  <a:stretch/>
+                </p:blipFill>
+                <p:spPr bwMode="auto">
+                  <a:xfrm>
+                    <a:off x="3376007" y="4237773"/>
+                    <a:ext cx="457715" cy="451105"/>
+                  </a:xfrm>
+                  <a:prstGeom prst="rect">
+                    <a:avLst/>
+                  </a:prstGeom>
+                  <a:noFill/>
+                  <a:extLst>
+                    <a:ext uri="{909E8E84-426E-40DD-AFC4-6F175D3DCCD1}">
+                      <a14:hiddenFill xmlns:a14="http://schemas.microsoft.com/office/drawing/2010/main">
+                        <a:solidFill>
+                          <a:srgbClr val="FFFFFF"/>
+                        </a:solidFill>
+                      </a14:hiddenFill>
+                    </a:ext>
+                  </a:extLst>
+                </p:spPr>
+              </p:pic>
+              <p:pic>
+                <p:nvPicPr>
+                  <p:cNvPr id="2061" name="Picture 13"/>
+                  <p:cNvPicPr>
+                    <a:picLocks noChangeAspect="1" noChangeArrowheads="1"/>
+                  </p:cNvPicPr>
+                  <p:nvPr/>
+                </p:nvPicPr>
+                <p:blipFill rotWithShape="1">
+                  <a:blip r:embed="rId9" cstate="print">
+                    <a:extLst>
+                      <a:ext uri="{28A0092B-C50C-407E-A947-70E740481C1C}">
+                        <a14:useLocalDpi xmlns:a14="http://schemas.microsoft.com/office/drawing/2010/main" val="0"/>
+                      </a:ext>
+                    </a:extLst>
+                  </a:blip>
+                  <a:srcRect l="8769" t="2707" b="1"/>
+                  <a:stretch/>
+                </p:blipFill>
+                <p:spPr bwMode="auto">
+                  <a:xfrm>
+                    <a:off x="3893446" y="4247163"/>
+                    <a:ext cx="451791" cy="439189"/>
+                  </a:xfrm>
+                  <a:prstGeom prst="rect">
+                    <a:avLst/>
+                  </a:prstGeom>
+                  <a:noFill/>
+                  <a:ln>
+                    <a:noFill/>
+                  </a:ln>
+                  <a:extLst>
+                    <a:ext uri="{909E8E84-426E-40DD-AFC4-6F175D3DCCD1}">
+                      <a14:hiddenFill xmlns:a14="http://schemas.microsoft.com/office/drawing/2010/main">
+                        <a:solidFill>
+                          <a:schemeClr val="accent1"/>
+                        </a:solidFill>
+                      </a14:hiddenFill>
+                    </a:ext>
+                    <a:ext uri="{91240B29-F687-4F45-9708-019B960494DF}">
+                      <a14:hiddenLine xmlns:a14="http://schemas.microsoft.com/office/drawing/2010/main" w="9525">
+                        <a:solidFill>
+                          <a:schemeClr val="tx1"/>
+                        </a:solidFill>
+                        <a:miter lim="800000"/>
+                        <a:headEnd/>
+                        <a:tailEnd/>
+                      </a14:hiddenLine>
+                    </a:ext>
+                  </a:extLst>
+                </p:spPr>
+              </p:pic>
+              <p:pic>
+                <p:nvPicPr>
+                  <p:cNvPr id="2069" name="Picture 21"/>
+                  <p:cNvPicPr>
+                    <a:picLocks noChangeAspect="1" noChangeArrowheads="1"/>
+                  </p:cNvPicPr>
+                  <p:nvPr/>
+                </p:nvPicPr>
+                <p:blipFill>
+                  <a:blip r:embed="rId10" cstate="print">
+                    <a:extLst>
+                      <a:ext uri="{28A0092B-C50C-407E-A947-70E740481C1C}">
+                        <a14:useLocalDpi xmlns:a14="http://schemas.microsoft.com/office/drawing/2010/main" val="0"/>
+                      </a:ext>
+                    </a:extLst>
+                  </a:blip>
+                  <a:srcRect/>
+                  <a:stretch>
+                    <a:fillRect/>
+                  </a:stretch>
+                </p:blipFill>
+                <p:spPr bwMode="auto">
+                  <a:xfrm>
+                    <a:off x="4415179" y="4247163"/>
+                    <a:ext cx="441867" cy="439189"/>
+                  </a:xfrm>
+                  <a:prstGeom prst="rect">
+                    <a:avLst/>
+                  </a:prstGeom>
+                  <a:noFill/>
+                  <a:ln>
+                    <a:noFill/>
+                  </a:ln>
+                  <a:extLst>
+                    <a:ext uri="{909E8E84-426E-40DD-AFC4-6F175D3DCCD1}">
+                      <a14:hiddenFill xmlns:a14="http://schemas.microsoft.com/office/drawing/2010/main">
+                        <a:solidFill>
+                          <a:schemeClr val="accent1"/>
+                        </a:solidFill>
+                      </a14:hiddenFill>
+                    </a:ext>
+                    <a:ext uri="{91240B29-F687-4F45-9708-019B960494DF}">
+                      <a14:hiddenLine xmlns:a14="http://schemas.microsoft.com/office/drawing/2010/main" w="9525">
+                        <a:solidFill>
+                          <a:schemeClr val="tx1"/>
+                        </a:solidFill>
+                        <a:miter lim="800000"/>
+                        <a:headEnd/>
+                        <a:tailEnd/>
+                      </a14:hiddenLine>
+                    </a:ext>
+                  </a:extLst>
+                </p:spPr>
+              </p:pic>
+              <p:pic>
+                <p:nvPicPr>
+                  <p:cNvPr id="2070" name="Picture 22"/>
+                  <p:cNvPicPr>
+                    <a:picLocks noChangeAspect="1" noChangeArrowheads="1"/>
+                  </p:cNvPicPr>
+                  <p:nvPr/>
+                </p:nvPicPr>
+                <p:blipFill rotWithShape="1">
+                  <a:blip r:embed="rId11">
+                    <a:extLst>
+                      <a:ext uri="{28A0092B-C50C-407E-A947-70E740481C1C}">
+                        <a14:useLocalDpi xmlns:a14="http://schemas.microsoft.com/office/drawing/2010/main" val="0"/>
+                      </a:ext>
+                    </a:extLst>
+                  </a:blip>
+                  <a:srcRect l="19346" t="13148" r="12546"/>
+                  <a:stretch/>
+                </p:blipFill>
+                <p:spPr bwMode="auto">
+                  <a:xfrm>
+                    <a:off x="4934291" y="4247162"/>
+                    <a:ext cx="451087" cy="450859"/>
+                  </a:xfrm>
+                  <a:prstGeom prst="rect">
+                    <a:avLst/>
+                  </a:prstGeom>
+                  <a:noFill/>
+                  <a:ln>
+                    <a:noFill/>
+                  </a:ln>
+                  <a:extLst>
+                    <a:ext uri="{909E8E84-426E-40DD-AFC4-6F175D3DCCD1}">
+                      <a14:hiddenFill xmlns:a14="http://schemas.microsoft.com/office/drawing/2010/main">
+                        <a:solidFill>
+                          <a:schemeClr val="accent1"/>
+                        </a:solidFill>
+                      </a14:hiddenFill>
+                    </a:ext>
+                    <a:ext uri="{91240B29-F687-4F45-9708-019B960494DF}">
+                      <a14:hiddenLine xmlns:a14="http://schemas.microsoft.com/office/drawing/2010/main" w="9525">
+                        <a:solidFill>
+                          <a:schemeClr val="tx1"/>
+                        </a:solidFill>
+                        <a:miter lim="800000"/>
+                        <a:headEnd/>
+                        <a:tailEnd/>
+                      </a14:hiddenLine>
+                    </a:ext>
+                  </a:extLst>
+                </p:spPr>
+              </p:pic>
+            </p:grpSp>
+            <p:sp>
+              <p:nvSpPr>
+                <p:cNvPr id="9" name="Rectangle 8"/>
+                <p:cNvSpPr/>
+                <p:nvPr/>
+              </p:nvSpPr>
+              <p:spPr>
+                <a:xfrm>
+                  <a:off x="2843735" y="4261728"/>
+                  <a:ext cx="2599803" cy="591260"/>
+                </a:xfrm>
+                <a:prstGeom prst="rect">
+                  <a:avLst/>
+                </a:prstGeom>
+                <a:noFill/>
+                <a:ln>
+                  <a:solidFill>
+                    <a:schemeClr val="tx1">
+                      <a:lumMod val="50000"/>
+                      <a:lumOff val="50000"/>
+                    </a:schemeClr>
+                  </a:solidFill>
+                </a:ln>
+              </p:spPr>
+              <p:style>
+                <a:lnRef idx="2">
+                  <a:schemeClr val="accent1">
+                    <a:shade val="50000"/>
+                  </a:schemeClr>
+                </a:lnRef>
+                <a:fillRef idx="1">
+                  <a:schemeClr val="accent1"/>
+                </a:fillRef>
+                <a:effectRef idx="0">
+                  <a:schemeClr val="accent1"/>
+                </a:effectRef>
+                <a:fontRef idx="minor">
+                  <a:schemeClr val="lt1"/>
+                </a:fontRef>
+              </p:style>
+              <p:txBody>
+                <a:bodyPr rtlCol="0" anchor="ctr"/>
+                <a:lstStyle/>
+                <a:p>
+                  <a:pPr algn="ctr"/>
+                  <a:endParaRPr lang="en-US"/>
+                </a:p>
+              </p:txBody>
+            </p:sp>
+          </p:grpSp>
+          <p:sp>
+            <p:nvSpPr>
+              <p:cNvPr id="50" name="TextBox 49"/>
+              <p:cNvSpPr txBox="1"/>
+              <p:nvPr/>
+            </p:nvSpPr>
+            <p:spPr>
+              <a:xfrm>
+                <a:off x="5412089" y="4326525"/>
+                <a:ext cx="1420993" cy="276999"/>
+              </a:xfrm>
+              <a:prstGeom prst="rect">
+                <a:avLst/>
+              </a:prstGeom>
+              <a:noFill/>
+            </p:spPr>
+            <p:txBody>
+              <a:bodyPr wrap="square" rtlCol="0">
+                <a:spAutoFit/>
+              </a:bodyPr>
+              <a:lstStyle/>
+              <a:p>
+                <a:r>
+                  <a:rPr lang="en-US" sz="1200" b="1" dirty="0" smtClean="0"/>
+                  <a:t>Any DJ converter</a:t>
+                </a:r>
+              </a:p>
+            </p:txBody>
+          </p:sp>
+        </p:grpSp>
+        <p:sp>
+          <p:nvSpPr>
+            <p:cNvPr id="54" name="TextBox 53"/>
+            <p:cNvSpPr txBox="1"/>
+            <p:nvPr/>
+          </p:nvSpPr>
+          <p:spPr>
+            <a:xfrm>
+              <a:off x="2393807" y="1791070"/>
+              <a:ext cx="1524000" cy="461665"/>
+            </a:xfrm>
+            <a:prstGeom prst="rect">
+              <a:avLst/>
+            </a:prstGeom>
+            <a:noFill/>
+          </p:spPr>
+          <p:txBody>
+            <a:bodyPr wrap="square" rtlCol="0">
+              <a:spAutoFit/>
+            </a:bodyPr>
+            <a:lstStyle/>
+            <a:p>
+              <a:pPr algn="r"/>
+              <a:r>
+                <a:rPr lang="en-US" sz="1200" dirty="0" smtClean="0"/>
+                <a:t>(Dynamic analysis)</a:t>
+              </a:r>
+            </a:p>
+            <a:p>
+              <a:pPr algn="r"/>
+              <a:r>
+                <a:rPr lang="en-US" sz="1200" dirty="0" smtClean="0"/>
+                <a:t>(Export collection)</a:t>
+              </a:r>
+            </a:p>
+          </p:txBody>
+        </p:sp>
+        <p:sp>
+          <p:nvSpPr>
+            <p:cNvPr id="56" name="TextBox 55"/>
+            <p:cNvSpPr txBox="1"/>
+            <p:nvPr/>
+          </p:nvSpPr>
+          <p:spPr>
+            <a:xfrm>
+              <a:off x="2404681" y="5486400"/>
+              <a:ext cx="1502251" cy="276999"/>
+            </a:xfrm>
+            <a:prstGeom prst="rect">
+              <a:avLst/>
+            </a:prstGeom>
+            <a:noFill/>
+          </p:spPr>
+          <p:txBody>
+            <a:bodyPr wrap="square" rtlCol="0">
+              <a:spAutoFit/>
+            </a:bodyPr>
+            <a:lstStyle/>
+            <a:p>
+              <a:pPr algn="r"/>
+              <a:r>
+                <a:rPr lang="en-US" sz="1200" dirty="0" smtClean="0"/>
+                <a:t>(Import files)</a:t>
+              </a:r>
+            </a:p>
+          </p:txBody>
+        </p:sp>
+        <p:sp>
+          <p:nvSpPr>
+            <p:cNvPr id="57" name="TextBox 56"/>
+            <p:cNvSpPr txBox="1"/>
+            <p:nvPr/>
+          </p:nvSpPr>
+          <p:spPr>
+            <a:xfrm>
+              <a:off x="4511538" y="4996432"/>
+              <a:ext cx="905963" cy="276999"/>
+            </a:xfrm>
+            <a:prstGeom prst="rect">
+              <a:avLst/>
+            </a:prstGeom>
+            <a:noFill/>
+          </p:spPr>
+          <p:txBody>
+            <a:bodyPr wrap="square" rtlCol="0">
+              <a:spAutoFit/>
+            </a:bodyPr>
+            <a:lstStyle/>
+            <a:p>
+              <a:r>
+                <a:rPr lang="en-US" sz="1200" b="1" dirty="0"/>
+                <a:t>N</a:t>
+              </a:r>
+              <a:r>
+                <a:rPr lang="en-US" sz="1200" b="1" dirty="0" smtClean="0"/>
+                <a:t>ML file</a:t>
+              </a:r>
+            </a:p>
+          </p:txBody>
+        </p:sp>
+        <p:sp>
+          <p:nvSpPr>
+            <p:cNvPr id="58" name="Down Arrow 57"/>
+            <p:cNvSpPr/>
+            <p:nvPr/>
+          </p:nvSpPr>
+          <p:spPr>
+            <a:xfrm>
+              <a:off x="4073625" y="5428397"/>
+              <a:ext cx="152400" cy="512120"/>
+            </a:xfrm>
+            <a:prstGeom prst="downArrow">
+              <a:avLst/>
+            </a:prstGeom>
+          </p:spPr>
+          <p:style>
+            <a:lnRef idx="2">
+              <a:schemeClr val="accent1">
+                <a:shade val="50000"/>
+              </a:schemeClr>
+            </a:lnRef>
+            <a:fillRef idx="1">
+              <a:schemeClr val="accent1"/>
+            </a:fillRef>
+            <a:effectRef idx="0">
+              <a:schemeClr val="accent1"/>
+            </a:effectRef>
+            <a:fontRef idx="minor">
+              <a:schemeClr val="lt1"/>
+            </a:fontRef>
+          </p:style>
+          <p:txBody>
+            <a:bodyPr rtlCol="0" anchor="ctr"/>
+            <a:lstStyle/>
+            <a:p>
+              <a:pPr algn="ctr"/>
+              <a:endParaRPr lang="en-US"/>
+            </a:p>
+          </p:txBody>
+        </p:sp>
+        <p:sp>
+          <p:nvSpPr>
+            <p:cNvPr id="59" name="TextBox 58"/>
+            <p:cNvSpPr txBox="1"/>
+            <p:nvPr/>
+          </p:nvSpPr>
+          <p:spPr>
+            <a:xfrm>
+              <a:off x="4515570" y="6021660"/>
+              <a:ext cx="905963" cy="276999"/>
+            </a:xfrm>
+            <a:prstGeom prst="rect">
+              <a:avLst/>
+            </a:prstGeom>
+            <a:noFill/>
+          </p:spPr>
+          <p:txBody>
+            <a:bodyPr wrap="square" rtlCol="0">
+              <a:spAutoFit/>
+            </a:bodyPr>
+            <a:lstStyle/>
+            <a:p>
+              <a:r>
+                <a:rPr lang="en-US" sz="1200" b="1" dirty="0" err="1" smtClean="0"/>
+                <a:t>Traktor</a:t>
+              </a:r>
+              <a:endParaRPr lang="en-US" sz="1200" b="1" dirty="0" smtClean="0"/>
+            </a:p>
+          </p:txBody>
+        </p:sp>
+      </p:grpSp>
+      <p:sp>
+        <p:nvSpPr>
+          <p:cNvPr id="60" name="TextBox 59"/>
+          <p:cNvSpPr txBox="1"/>
+          <p:nvPr/>
+        </p:nvSpPr>
+        <p:spPr>
+          <a:xfrm>
+            <a:off x="383874" y="6477000"/>
+            <a:ext cx="8400417" cy="276999"/>
+          </a:xfrm>
+          <a:prstGeom prst="rect">
+            <a:avLst/>
+          </a:prstGeom>
+          <a:noFill/>
+        </p:spPr>
+        <p:txBody>
+          <a:bodyPr wrap="square" rtlCol="0">
+            <a:spAutoFit/>
+          </a:bodyPr>
+          <a:lstStyle/>
+          <a:p>
+            <a:r>
+              <a:rPr lang="en-US" sz="1200" dirty="0">
+                <a:hlinkClick r:id="rId12"/>
+              </a:rPr>
+              <a:t>https://</a:t>
+            </a:r>
+            <a:r>
+              <a:rPr lang="en-US" sz="1200" dirty="0" smtClean="0">
+                <a:hlinkClick r:id="rId12"/>
+              </a:rPr>
+              <a:t>www.native-instruments.com/forum/threads/how-to-emulate-elastic-beatgrids-in-traktor-via-rekordbox-conversion.375229</a:t>
+            </a:r>
+            <a:endParaRPr lang="en-US" sz="1200" dirty="0"/>
+          </a:p>
+        </p:txBody>
+      </p:sp>
+    </p:spTree>
+    <p:extLst>
+      <p:ext uri="{BB962C8B-B14F-4D97-AF65-F5344CB8AC3E}">
+        <p14:creationId xmlns:p14="http://schemas.microsoft.com/office/powerpoint/2010/main" val="213005349"/>
+      </p:ext>
+    </p:extLst>
+  </p:cSld>
+  <p:clrMapOvr>
+    <a:masterClrMapping/>
+  </p:clrMapOvr>
+</p:sld>
+</file>
+
+<file path=ppt/slides/slide3.xml><?xml version="1.0" encoding="utf-8"?>
 <p:sld xmlns:a="http://schemas.openxmlformats.org/drawingml/2006/main" xmlns:r="http://schemas.openxmlformats.org/officeDocument/2006/relationships" xmlns:p="http://schemas.openxmlformats.org/presentationml/2006/main">
   <p:cSld>
     <p:spTree>
@@ -3559,10 +5718,10 @@
         </p:nvGrpSpPr>
         <p:grpSpPr>
           <a:xfrm>
-            <a:off x="1696539" y="263555"/>
-            <a:ext cx="5847261" cy="5785366"/>
-            <a:chOff x="3621505" y="304800"/>
-            <a:chExt cx="5847261" cy="5785366"/>
+            <a:off x="4267200" y="222838"/>
+            <a:ext cx="3722117" cy="5852131"/>
+            <a:chOff x="3621505" y="238035"/>
+            <a:chExt cx="5855283" cy="5852131"/>
           </a:xfrm>
         </p:grpSpPr>
         <p:grpSp>
@@ -3665,10 +5824,10 @@
           </p:nvGrpSpPr>
           <p:grpSpPr>
             <a:xfrm>
-              <a:off x="3621505" y="304800"/>
-              <a:ext cx="5847261" cy="1066800"/>
-              <a:chOff x="3657600" y="304800"/>
-              <a:chExt cx="5847261" cy="1066800"/>
+              <a:off x="3621505" y="238035"/>
+              <a:ext cx="5855283" cy="1200329"/>
+              <a:chOff x="3657600" y="238035"/>
+              <a:chExt cx="5855283" cy="1200329"/>
             </a:xfrm>
           </p:grpSpPr>
           <p:sp>
@@ -3719,8 +5878,8 @@
             </p:nvSpPr>
             <p:spPr>
               <a:xfrm>
-                <a:off x="3810000" y="316331"/>
-                <a:ext cx="5694861" cy="923330"/>
+                <a:off x="3818021" y="238035"/>
+                <a:ext cx="5694862" cy="1200329"/>
               </a:xfrm>
               <a:prstGeom prst="rect">
                 <a:avLst/>
@@ -3734,22 +5893,28 @@
               <a:lstStyle/>
               <a:p>
                 <a:r>
-                  <a:rPr lang="en-US" b="1" dirty="0" smtClean="0"/>
-                  <a:t>Dynamic analysis (</a:t>
-                </a:r>
-                <a:r>
-                  <a:rPr lang="en-US" b="1" smtClean="0"/>
-                  <a:t>Free </a:t>
-                </a:r>
-                <a:r>
-                  <a:rPr lang="en-US" b="1" smtClean="0"/>
-                  <a:t>- Rekordbox</a:t>
+                  <a:rPr lang="en-US" b="1" dirty="0" err="1" smtClean="0"/>
+                  <a:t>Rekordbox</a:t>
                 </a:r>
                 <a:r>
                   <a:rPr lang="en-US" b="1" dirty="0" smtClean="0"/>
-                  <a:t> 5.6.0 Export mode)</a:t>
+                  <a:t> </a:t>
+                </a:r>
+                <a:r>
+                  <a:rPr lang="en-US" b="1" dirty="0" smtClean="0"/>
+                  <a:t>5.6.0 </a:t>
+                </a:r>
+                <a:r>
+                  <a:rPr lang="en-US" b="1" dirty="0" smtClean="0"/>
+                  <a:t>Free</a:t>
                 </a:r>
                 <a:endParaRPr lang="en-US" b="1" dirty="0"/>
+              </a:p>
+              <a:p>
+                <a:r>
+                  <a:rPr lang="en-US" b="1" dirty="0"/>
+                  <a:t>Dynamic analysis </a:t>
+                </a:r>
               </a:p>
               <a:p>
                 <a:r>
@@ -3760,7 +5925,11 @@
               <a:p>
                 <a:r>
                   <a:rPr lang="en-US" b="1" dirty="0" smtClean="0"/>
-                  <a:t>Prune collection</a:t>
+                  <a:t>Prune </a:t>
+                </a:r>
+                <a:r>
+                  <a:rPr lang="en-US" b="1" dirty="0" smtClean="0"/>
+                  <a:t>collection</a:t>
                 </a:r>
               </a:p>
             </p:txBody>
@@ -3861,6 +6030,50 @@
           </p:sp>
         </p:grpSp>
       </p:grpSp>
+      <p:sp>
+        <p:nvSpPr>
+          <p:cNvPr id="24" name="TextBox 23"/>
+          <p:cNvSpPr txBox="1"/>
+          <p:nvPr/>
+        </p:nvSpPr>
+        <p:spPr>
+          <a:xfrm>
+            <a:off x="104729" y="157331"/>
+            <a:ext cx="2731453" cy="646331"/>
+          </a:xfrm>
+          <a:prstGeom prst="rect">
+            <a:avLst/>
+          </a:prstGeom>
+          <a:noFill/>
+        </p:spPr>
+        <p:txBody>
+          <a:bodyPr wrap="none" rtlCol="0">
+            <a:spAutoFit/>
+          </a:bodyPr>
+          <a:lstStyle/>
+          <a:p>
+            <a:r>
+              <a:rPr lang="en-US" b="1" dirty="0" smtClean="0"/>
+              <a:t>Elastic </a:t>
+            </a:r>
+            <a:r>
+              <a:rPr lang="en-US" b="1" dirty="0" err="1" smtClean="0"/>
+              <a:t>Beatgrid</a:t>
+            </a:r>
+            <a:r>
+              <a:rPr lang="en-US" b="1" dirty="0" smtClean="0"/>
+              <a:t> emulation </a:t>
+            </a:r>
+          </a:p>
+          <a:p>
+            <a:r>
+              <a:rPr lang="en-US" b="1" dirty="0" smtClean="0"/>
+              <a:t>(more accurate case)</a:t>
+            </a:r>
+            <a:endParaRPr lang="en-US" b="1" dirty="0"/>
+          </a:p>
+        </p:txBody>
+      </p:sp>
     </p:spTree>
     <p:extLst>
       <p:ext uri="{BB962C8B-B14F-4D97-AF65-F5344CB8AC3E}">
@@ -3874,7 +6087,7 @@
 </p:sld>
 </file>
 
-<file path=ppt/slides/slide2.xml><?xml version="1.0" encoding="utf-8"?>
+<file path=ppt/slides/slide4.xml><?xml version="1.0" encoding="utf-8"?>
 <p:sld xmlns:a="http://schemas.openxmlformats.org/drawingml/2006/main" xmlns:r="http://schemas.openxmlformats.org/officeDocument/2006/relationships" xmlns:p="http://schemas.openxmlformats.org/presentationml/2006/main">
   <p:cSld>
     <p:spTree>
@@ -3893,13 +6106,13 @@
       </p:grpSpPr>
       <p:pic>
         <p:nvPicPr>
-          <p:cNvPr id="1026" name="Picture 2"/>
+          <p:cNvPr id="2" name="Picture 2"/>
           <p:cNvPicPr>
             <a:picLocks noChangeAspect="1" noChangeArrowheads="1"/>
           </p:cNvPicPr>
           <p:nvPr/>
         </p:nvPicPr>
-        <p:blipFill rotWithShape="1">
+        <p:blipFill>
           <a:blip r:embed="rId2">
             <a:extLst>
               <a:ext uri="{28A0092B-C50C-407E-A947-70E740481C1C}">
@@ -3907,13 +6120,15 @@
               </a:ext>
             </a:extLst>
           </a:blip>
-          <a:srcRect l="875" t="1333" r="1563" b="2667"/>
-          <a:stretch/>
+          <a:srcRect/>
+          <a:stretch>
+            <a:fillRect/>
+          </a:stretch>
         </p:blipFill>
         <p:spPr bwMode="auto">
           <a:xfrm>
-            <a:off x="3078975" y="2190115"/>
-            <a:ext cx="3256775" cy="1763066"/>
+            <a:off x="3124200" y="1026354"/>
+            <a:ext cx="3858735" cy="1929368"/>
           </a:xfrm>
           <a:prstGeom prst="rect">
             <a:avLst/>
@@ -3943,73 +6158,112 @@
           </a:extLst>
         </p:spPr>
       </p:pic>
-      <p:pic>
-        <p:nvPicPr>
-          <p:cNvPr id="1027" name="Picture 3"/>
-          <p:cNvPicPr>
-            <a:picLocks noChangeAspect="1" noChangeArrowheads="1"/>
-          </p:cNvPicPr>
+      <p:sp>
+        <p:nvSpPr>
+          <p:cNvPr id="8" name="TextBox 7"/>
+          <p:cNvSpPr txBox="1"/>
           <p:nvPr/>
-        </p:nvPicPr>
-        <p:blipFill rotWithShape="1">
-          <a:blip r:embed="rId3">
-            <a:extLst>
-              <a:ext uri="{28A0092B-C50C-407E-A947-70E740481C1C}">
-                <a14:useLocalDpi xmlns:a14="http://schemas.microsoft.com/office/drawing/2010/main" val="0"/>
-              </a:ext>
-            </a:extLst>
-          </a:blip>
-          <a:srcRect l="543" t="4178" r="2384" b="1334"/>
-          <a:stretch/>
-        </p:blipFill>
-        <p:spPr bwMode="auto">
+        </p:nvSpPr>
+        <p:spPr>
           <a:xfrm>
-            <a:off x="3066646" y="4114800"/>
-            <a:ext cx="3280606" cy="1714932"/>
+            <a:off x="550647" y="6934200"/>
+            <a:ext cx="8313430" cy="523220"/>
+          </a:xfrm>
+          <a:prstGeom prst="rect">
+            <a:avLst/>
+          </a:prstGeom>
+          <a:noFill/>
+        </p:spPr>
+        <p:txBody>
+          <a:bodyPr wrap="none" rtlCol="0">
+            <a:spAutoFit/>
+          </a:bodyPr>
+          <a:lstStyle/>
+          <a:p>
+            <a:r>
+              <a:rPr lang="en-US" sz="1400" dirty="0">
+                <a:hlinkClick r:id="rId3"/>
+              </a:rPr>
+              <a:t>https://www.reddit.com/r/DJs/comments/ybt30/transition_tracks</a:t>
+            </a:r>
+            <a:r>
+              <a:rPr lang="en-US" sz="1400" dirty="0" smtClean="0">
+                <a:hlinkClick r:id="rId3"/>
+              </a:rPr>
+              <a:t>/</a:t>
+            </a:r>
+            <a:r>
+              <a:rPr lang="en-US" sz="1400" dirty="0" smtClean="0"/>
+              <a:t/>
+            </a:r>
+            <a:br>
+              <a:rPr lang="en-US" sz="1400" dirty="0" smtClean="0"/>
+            </a:br>
+            <a:r>
+              <a:rPr lang="en-US" sz="1400" dirty="0">
+                <a:hlinkClick r:id="rId4"/>
+              </a:rPr>
+              <a:t>https://support.native-instruments.com/hc/en-us/community/posts/208346569-Beatgrid-for-not-steady-tracks</a:t>
+            </a:r>
+            <a:endParaRPr lang="en-US" sz="1400" dirty="0"/>
+          </a:p>
+        </p:txBody>
+      </p:sp>
+      <p:sp>
+        <p:nvSpPr>
+          <p:cNvPr id="27" name="TextBox 26"/>
+          <p:cNvSpPr txBox="1"/>
+          <p:nvPr/>
+        </p:nvSpPr>
+        <p:spPr>
+          <a:xfrm>
+            <a:off x="5867400" y="552294"/>
+            <a:ext cx="1210203" cy="307777"/>
           </a:xfrm>
           <a:prstGeom prst="rect">
             <a:avLst/>
           </a:prstGeom>
           <a:noFill/>
           <a:ln>
-            <a:noFill/>
+            <a:solidFill>
+              <a:srgbClr val="B2B2B2"/>
+            </a:solidFill>
           </a:ln>
-          <a:extLst>
-            <a:ext uri="{909E8E84-426E-40DD-AFC4-6F175D3DCCD1}">
-              <a14:hiddenFill xmlns:a14="http://schemas.microsoft.com/office/drawing/2010/main">
-                <a:solidFill>
-                  <a:schemeClr val="accent1"/>
-                </a:solidFill>
-              </a14:hiddenFill>
-            </a:ext>
-            <a:ext uri="{91240B29-F687-4F45-9708-019B960494DF}">
-              <a14:hiddenLine xmlns:a14="http://schemas.microsoft.com/office/drawing/2010/main" w="9525">
-                <a:solidFill>
-                  <a:schemeClr val="tx1"/>
-                </a:solidFill>
-                <a:miter lim="800000"/>
-                <a:headEnd/>
-                <a:tailEnd/>
-              </a14:hiddenLine>
-            </a:ext>
-          </a:extLst>
         </p:spPr>
-      </p:pic>
-      <p:sp>
-        <p:nvSpPr>
-          <p:cNvPr id="4" name="TextBox 3"/>
+        <p:txBody>
+          <a:bodyPr wrap="none" rtlCol="0">
+            <a:spAutoFit/>
+          </a:bodyPr>
+          <a:lstStyle/>
+          <a:p>
+            <a:r>
+              <a:rPr lang="en-US" sz="1400" i="1" dirty="0" smtClean="0"/>
+              <a:t>Click here first</a:t>
+            </a:r>
+            <a:endParaRPr lang="en-US" sz="1400" i="1" dirty="0"/>
+          </a:p>
+        </p:txBody>
+      </p:sp>
+      <p:sp>
+        <p:nvSpPr>
+          <p:cNvPr id="33" name="TextBox 32"/>
           <p:cNvSpPr txBox="1"/>
           <p:nvPr/>
         </p:nvSpPr>
         <p:spPr>
           <a:xfrm>
-            <a:off x="304799" y="3651562"/>
-            <a:ext cx="2379177" cy="892552"/>
+            <a:off x="2040386" y="2993768"/>
+            <a:ext cx="2124684" cy="307777"/>
           </a:xfrm>
           <a:prstGeom prst="rect">
             <a:avLst/>
           </a:prstGeom>
           <a:noFill/>
+          <a:ln>
+            <a:solidFill>
+              <a:srgbClr val="B2B2B2"/>
+            </a:solidFill>
+          </a:ln>
         </p:spPr>
         <p:txBody>
           <a:bodyPr wrap="none" rtlCol="0">
@@ -4018,37 +6272,33 @@
           <a:lstStyle/>
           <a:p>
             <a:r>
-              <a:rPr lang="en-US" sz="2400" b="1" dirty="0" smtClean="0"/>
-              <a:t>Transition tracks</a:t>
-            </a:r>
-          </a:p>
-          <a:p>
-            <a:r>
               <a:rPr lang="en-US" sz="1400" i="1" dirty="0" smtClean="0"/>
-              <a:t>(sudden change 85-&gt;105BPM)</a:t>
-            </a:r>
-            <a:br>
-              <a:rPr lang="en-US" sz="1400" i="1" dirty="0" smtClean="0"/>
-            </a:br>
+              <a:t>this number needs to vary</a:t>
+            </a:r>
             <a:endParaRPr lang="en-US" sz="1400" i="1" dirty="0"/>
           </a:p>
         </p:txBody>
       </p:sp>
       <p:cxnSp>
         <p:nvCxnSpPr>
-          <p:cNvPr id="7" name="Straight Connector 6"/>
+          <p:cNvPr id="34" name="Straight Arrow Connector 33"/>
           <p:cNvCxnSpPr/>
           <p:nvPr/>
         </p:nvCxnSpPr>
         <p:spPr>
-          <a:xfrm>
-            <a:off x="381000" y="2057400"/>
-            <a:ext cx="8382000" cy="0"/>
+          <a:xfrm flipV="1">
+            <a:off x="4165070" y="2574688"/>
+            <a:ext cx="0" cy="572969"/>
           </a:xfrm>
-          <a:prstGeom prst="line">
+          <a:prstGeom prst="straightConnector1">
             <a:avLst/>
           </a:prstGeom>
-          <a:ln w="19050"/>
+          <a:ln w="38100">
+            <a:solidFill>
+              <a:srgbClr val="C00000"/>
+            </a:solidFill>
+            <a:tailEnd type="oval"/>
+          </a:ln>
         </p:spPr>
         <p:style>
           <a:lnRef idx="1">
@@ -4065,627 +6315,117 @@
           </a:fontRef>
         </p:style>
       </p:cxnSp>
-      <p:sp>
-        <p:nvSpPr>
-          <p:cNvPr id="10" name="TextBox 9"/>
+      <p:cxnSp>
+        <p:nvCxnSpPr>
+          <p:cNvPr id="36" name="Straight Arrow Connector 35"/>
+          <p:cNvCxnSpPr/>
+          <p:nvPr/>
+        </p:nvCxnSpPr>
+        <p:spPr>
+          <a:xfrm>
+            <a:off x="6858000" y="857841"/>
+            <a:ext cx="0" cy="1716847"/>
+          </a:xfrm>
+          <a:prstGeom prst="straightConnector1">
+            <a:avLst/>
+          </a:prstGeom>
+          <a:ln w="38100">
+            <a:solidFill>
+              <a:srgbClr val="C00000"/>
+            </a:solidFill>
+            <a:tailEnd type="oval"/>
+          </a:ln>
+        </p:spPr>
+        <p:style>
+          <a:lnRef idx="1">
+            <a:schemeClr val="accent1"/>
+          </a:lnRef>
+          <a:fillRef idx="0">
+            <a:schemeClr val="accent1"/>
+          </a:fillRef>
+          <a:effectRef idx="0">
+            <a:schemeClr val="accent1"/>
+          </a:effectRef>
+          <a:fontRef idx="minor">
+            <a:schemeClr val="tx1"/>
+          </a:fontRef>
+        </p:style>
+      </p:cxnSp>
+      <p:sp>
+        <p:nvSpPr>
+          <p:cNvPr id="37" name="TextBox 36"/>
           <p:cNvSpPr txBox="1"/>
           <p:nvPr/>
         </p:nvSpPr>
         <p:spPr>
           <a:xfrm>
-            <a:off x="304800" y="782350"/>
-            <a:ext cx="2236510" cy="677108"/>
-          </a:xfrm>
-          <a:prstGeom prst="rect">
-            <a:avLst/>
-          </a:prstGeom>
-          <a:noFill/>
-        </p:spPr>
-        <p:txBody>
-          <a:bodyPr wrap="none" rtlCol="0">
-            <a:spAutoFit/>
-          </a:bodyPr>
-          <a:lstStyle/>
-          <a:p>
-            <a:r>
-              <a:rPr lang="en-US" sz="2400" b="1" dirty="0" smtClean="0"/>
-              <a:t>Unsteady tracks</a:t>
-            </a:r>
-          </a:p>
-          <a:p>
-            <a:r>
-              <a:rPr lang="en-US" sz="1400" i="1" dirty="0" smtClean="0"/>
-              <a:t>(+-1% BPM around average)</a:t>
-            </a:r>
-            <a:endParaRPr lang="en-US" sz="1400" i="1" dirty="0"/>
-          </a:p>
-        </p:txBody>
-      </p:sp>
-      <p:sp>
-        <p:nvSpPr>
-          <p:cNvPr id="8" name="TextBox 7"/>
-          <p:cNvSpPr txBox="1"/>
-          <p:nvPr/>
-        </p:nvSpPr>
-        <p:spPr>
-          <a:xfrm>
-            <a:off x="550647" y="6934200"/>
-            <a:ext cx="8313430" cy="523220"/>
-          </a:xfrm>
-          <a:prstGeom prst="rect">
-            <a:avLst/>
-          </a:prstGeom>
-          <a:noFill/>
-        </p:spPr>
-        <p:txBody>
-          <a:bodyPr wrap="none" rtlCol="0">
-            <a:spAutoFit/>
-          </a:bodyPr>
-          <a:lstStyle/>
-          <a:p>
-            <a:r>
-              <a:rPr lang="en-US" sz="1400" dirty="0">
-                <a:hlinkClick r:id="rId4"/>
-              </a:rPr>
-              <a:t>https://www.reddit.com/r/DJs/comments/ybt30/transition_tracks</a:t>
-            </a:r>
-            <a:r>
-              <a:rPr lang="en-US" sz="1400" dirty="0" smtClean="0">
-                <a:hlinkClick r:id="rId4"/>
-              </a:rPr>
-              <a:t>/</a:t>
-            </a:r>
-            <a:r>
-              <a:rPr lang="en-US" sz="1400" dirty="0" smtClean="0"/>
-              <a:t/>
-            </a:r>
-            <a:br>
-              <a:rPr lang="en-US" sz="1400" dirty="0" smtClean="0"/>
-            </a:br>
-            <a:r>
-              <a:rPr lang="en-US" sz="1400" dirty="0">
-                <a:hlinkClick r:id="rId5"/>
-              </a:rPr>
-              <a:t>https://support.native-instruments.com/hc/en-us/community/posts/208346569-Beatgrid-for-not-steady-tracks</a:t>
-            </a:r>
-            <a:endParaRPr lang="en-US" sz="1400" dirty="0"/>
-          </a:p>
-        </p:txBody>
-      </p:sp>
-      <p:pic>
-        <p:nvPicPr>
-          <p:cNvPr id="1028" name="Picture 4"/>
-          <p:cNvPicPr>
-            <a:picLocks noChangeAspect="1" noChangeArrowheads="1"/>
-          </p:cNvPicPr>
-          <p:nvPr/>
-        </p:nvPicPr>
-        <p:blipFill>
-          <a:blip r:embed="rId6">
-            <a:extLst>
-              <a:ext uri="{28A0092B-C50C-407E-A947-70E740481C1C}">
-                <a14:useLocalDpi xmlns:a14="http://schemas.microsoft.com/office/drawing/2010/main" val="0"/>
-              </a:ext>
-            </a:extLst>
-          </a:blip>
-          <a:srcRect/>
-          <a:stretch>
-            <a:fillRect/>
-          </a:stretch>
-        </p:blipFill>
-        <p:spPr bwMode="auto">
-          <a:xfrm>
-            <a:off x="3078975" y="265375"/>
-            <a:ext cx="3256775" cy="1618724"/>
+            <a:off x="5638800" y="3015060"/>
+            <a:ext cx="883575" cy="307777"/>
           </a:xfrm>
           <a:prstGeom prst="rect">
             <a:avLst/>
           </a:prstGeom>
           <a:noFill/>
           <a:ln>
-            <a:noFill/>
+            <a:solidFill>
+              <a:srgbClr val="B2B2B2"/>
+            </a:solidFill>
           </a:ln>
-          <a:extLst>
-            <a:ext uri="{909E8E84-426E-40DD-AFC4-6F175D3DCCD1}">
-              <a14:hiddenFill xmlns:a14="http://schemas.microsoft.com/office/drawing/2010/main">
-                <a:solidFill>
-                  <a:schemeClr val="accent1"/>
-                </a:solidFill>
-              </a14:hiddenFill>
-            </a:ext>
-            <a:ext uri="{91240B29-F687-4F45-9708-019B960494DF}">
-              <a14:hiddenLine xmlns:a14="http://schemas.microsoft.com/office/drawing/2010/main" w="9525">
-                <a:solidFill>
-                  <a:schemeClr val="tx1"/>
-                </a:solidFill>
-                <a:miter lim="800000"/>
-                <a:headEnd/>
-                <a:tailEnd/>
-              </a14:hiddenLine>
-            </a:ext>
-          </a:extLst>
         </p:spPr>
-      </p:pic>
-      <p:grpSp>
-        <p:nvGrpSpPr>
-          <p:cNvPr id="18" name="Group 17"/>
-          <p:cNvGrpSpPr/>
-          <p:nvPr/>
-        </p:nvGrpSpPr>
-        <p:grpSpPr>
-          <a:xfrm>
-            <a:off x="4800820" y="3651562"/>
-            <a:ext cx="2717324" cy="307777"/>
-            <a:chOff x="4800820" y="3651562"/>
-            <a:chExt cx="2717324" cy="307777"/>
-          </a:xfrm>
-        </p:grpSpPr>
-        <p:sp>
-          <p:nvSpPr>
-            <p:cNvPr id="13" name="TextBox 12"/>
-            <p:cNvSpPr txBox="1"/>
-            <p:nvPr/>
-          </p:nvSpPr>
-          <p:spPr>
-            <a:xfrm>
-              <a:off x="6553200" y="3651562"/>
-              <a:ext cx="964944" cy="307777"/>
-            </a:xfrm>
-            <a:prstGeom prst="rect">
-              <a:avLst/>
-            </a:prstGeom>
-            <a:noFill/>
-            <a:ln>
-              <a:solidFill>
-                <a:srgbClr val="B2B2B2"/>
-              </a:solidFill>
-            </a:ln>
-          </p:spPr>
-          <p:txBody>
-            <a:bodyPr wrap="none" rtlCol="0">
-              <a:spAutoFit/>
-            </a:bodyPr>
-            <a:lstStyle/>
-            <a:p>
-              <a:r>
-                <a:rPr lang="en-US" sz="1400" i="1" dirty="0" smtClean="0"/>
-                <a:t>(first BPM)</a:t>
-              </a:r>
-              <a:endParaRPr lang="en-US" sz="1400" i="1" dirty="0"/>
-            </a:p>
-          </p:txBody>
-        </p:sp>
-        <p:cxnSp>
-          <p:nvCxnSpPr>
-            <p:cNvPr id="11" name="Straight Arrow Connector 10"/>
-            <p:cNvCxnSpPr/>
-            <p:nvPr/>
-          </p:nvCxnSpPr>
-          <p:spPr>
-            <a:xfrm flipH="1">
-              <a:off x="4800820" y="3809437"/>
-              <a:ext cx="1676180" cy="0"/>
-            </a:xfrm>
-            <a:prstGeom prst="straightConnector1">
-              <a:avLst/>
-            </a:prstGeom>
-            <a:ln w="38100">
-              <a:solidFill>
-                <a:srgbClr val="B2B2B2"/>
-              </a:solidFill>
-              <a:tailEnd type="oval"/>
-            </a:ln>
-          </p:spPr>
-          <p:style>
-            <a:lnRef idx="1">
-              <a:schemeClr val="accent1"/>
-            </a:lnRef>
-            <a:fillRef idx="0">
-              <a:schemeClr val="accent1"/>
-            </a:fillRef>
-            <a:effectRef idx="0">
-              <a:schemeClr val="accent1"/>
-            </a:effectRef>
-            <a:fontRef idx="minor">
-              <a:schemeClr val="tx1"/>
-            </a:fontRef>
-          </p:style>
-        </p:cxnSp>
-      </p:grpSp>
-      <p:grpSp>
-        <p:nvGrpSpPr>
-          <p:cNvPr id="23" name="Group 22"/>
-          <p:cNvGrpSpPr/>
-          <p:nvPr/>
-        </p:nvGrpSpPr>
-        <p:grpSpPr>
-          <a:xfrm>
-            <a:off x="4800820" y="5521955"/>
-            <a:ext cx="2696869" cy="307777"/>
-            <a:chOff x="4800820" y="3651562"/>
-            <a:chExt cx="2696869" cy="307777"/>
-          </a:xfrm>
-        </p:grpSpPr>
-        <p:sp>
-          <p:nvSpPr>
-            <p:cNvPr id="24" name="TextBox 23"/>
-            <p:cNvSpPr txBox="1"/>
-            <p:nvPr/>
-          </p:nvSpPr>
-          <p:spPr>
-            <a:xfrm>
-              <a:off x="6553200" y="3651562"/>
-              <a:ext cx="944489" cy="307777"/>
-            </a:xfrm>
-            <a:prstGeom prst="rect">
-              <a:avLst/>
-            </a:prstGeom>
-            <a:noFill/>
-            <a:ln>
-              <a:solidFill>
-                <a:srgbClr val="B2B2B2"/>
-              </a:solidFill>
-            </a:ln>
-          </p:spPr>
-          <p:txBody>
-            <a:bodyPr wrap="none" rtlCol="0">
-              <a:spAutoFit/>
-            </a:bodyPr>
-            <a:lstStyle/>
-            <a:p>
-              <a:r>
-                <a:rPr lang="en-US" sz="1400" i="1" dirty="0" smtClean="0"/>
-                <a:t>(</a:t>
-              </a:r>
-              <a:r>
-                <a:rPr lang="en-US" sz="1400" i="1" dirty="0" err="1" smtClean="0"/>
-                <a:t>avg</a:t>
-              </a:r>
-              <a:r>
-                <a:rPr lang="en-US" sz="1400" i="1" dirty="0" smtClean="0"/>
-                <a:t> BPM)</a:t>
-              </a:r>
-              <a:endParaRPr lang="en-US" sz="1400" i="1" dirty="0"/>
-            </a:p>
-          </p:txBody>
-        </p:sp>
-        <p:cxnSp>
-          <p:nvCxnSpPr>
-            <p:cNvPr id="25" name="Straight Arrow Connector 24"/>
-            <p:cNvCxnSpPr/>
-            <p:nvPr/>
-          </p:nvCxnSpPr>
-          <p:spPr>
-            <a:xfrm flipH="1">
-              <a:off x="4800820" y="3809437"/>
-              <a:ext cx="1676180" cy="0"/>
-            </a:xfrm>
-            <a:prstGeom prst="straightConnector1">
-              <a:avLst/>
-            </a:prstGeom>
-            <a:ln w="38100">
-              <a:solidFill>
-                <a:srgbClr val="B2B2B2"/>
-              </a:solidFill>
-              <a:tailEnd type="oval"/>
-            </a:ln>
-          </p:spPr>
-          <p:style>
-            <a:lnRef idx="1">
-              <a:schemeClr val="accent1"/>
-            </a:lnRef>
-            <a:fillRef idx="0">
-              <a:schemeClr val="accent1"/>
-            </a:fillRef>
-            <a:effectRef idx="0">
-              <a:schemeClr val="accent1"/>
-            </a:effectRef>
-            <a:fontRef idx="minor">
-              <a:schemeClr val="tx1"/>
-            </a:fontRef>
-          </p:style>
-        </p:cxnSp>
-      </p:grpSp>
-      <p:grpSp>
-        <p:nvGrpSpPr>
-          <p:cNvPr id="26" name="Group 25"/>
-          <p:cNvGrpSpPr/>
-          <p:nvPr/>
-        </p:nvGrpSpPr>
-        <p:grpSpPr>
-          <a:xfrm>
-            <a:off x="4793958" y="1576322"/>
-            <a:ext cx="3858213" cy="307777"/>
-            <a:chOff x="4800820" y="3651562"/>
-            <a:chExt cx="3858213" cy="307777"/>
-          </a:xfrm>
-        </p:grpSpPr>
-        <p:sp>
-          <p:nvSpPr>
-            <p:cNvPr id="27" name="TextBox 26"/>
-            <p:cNvSpPr txBox="1"/>
-            <p:nvPr/>
-          </p:nvSpPr>
-          <p:spPr>
-            <a:xfrm>
-              <a:off x="6553200" y="3651562"/>
-              <a:ext cx="2105833" cy="307777"/>
-            </a:xfrm>
-            <a:prstGeom prst="rect">
-              <a:avLst/>
-            </a:prstGeom>
-            <a:noFill/>
-            <a:ln>
-              <a:solidFill>
-                <a:srgbClr val="B2B2B2"/>
-              </a:solidFill>
-            </a:ln>
-          </p:spPr>
-          <p:txBody>
-            <a:bodyPr wrap="none" rtlCol="0">
-              <a:spAutoFit/>
-            </a:bodyPr>
-            <a:lstStyle/>
-            <a:p>
-              <a:r>
-                <a:rPr lang="en-US" sz="1400" i="1" dirty="0" smtClean="0"/>
-                <a:t>(correct BPM for first part)</a:t>
-              </a:r>
-              <a:endParaRPr lang="en-US" sz="1400" i="1" dirty="0"/>
-            </a:p>
-          </p:txBody>
-        </p:sp>
-        <p:cxnSp>
-          <p:nvCxnSpPr>
-            <p:cNvPr id="28" name="Straight Arrow Connector 27"/>
-            <p:cNvCxnSpPr/>
-            <p:nvPr/>
-          </p:nvCxnSpPr>
-          <p:spPr>
-            <a:xfrm flipH="1">
-              <a:off x="4800820" y="3809437"/>
-              <a:ext cx="1676180" cy="0"/>
-            </a:xfrm>
-            <a:prstGeom prst="straightConnector1">
-              <a:avLst/>
-            </a:prstGeom>
-            <a:ln w="38100">
-              <a:solidFill>
-                <a:srgbClr val="B2B2B2"/>
-              </a:solidFill>
-              <a:tailEnd type="oval"/>
-            </a:ln>
-          </p:spPr>
-          <p:style>
-            <a:lnRef idx="1">
-              <a:schemeClr val="accent1"/>
-            </a:lnRef>
-            <a:fillRef idx="0">
-              <a:schemeClr val="accent1"/>
-            </a:fillRef>
-            <a:effectRef idx="0">
-              <a:schemeClr val="accent1"/>
-            </a:effectRef>
-            <a:fontRef idx="minor">
-              <a:schemeClr val="tx1"/>
-            </a:fontRef>
-          </p:style>
-        </p:cxnSp>
-      </p:grpSp>
-      <p:grpSp>
-        <p:nvGrpSpPr>
-          <p:cNvPr id="29" name="Group 28"/>
-          <p:cNvGrpSpPr/>
-          <p:nvPr/>
-        </p:nvGrpSpPr>
-        <p:grpSpPr>
-          <a:xfrm>
-            <a:off x="5257801" y="4808561"/>
-            <a:ext cx="2847319" cy="307777"/>
-            <a:chOff x="4800820" y="3651562"/>
-            <a:chExt cx="3905251" cy="307777"/>
-          </a:xfrm>
-        </p:grpSpPr>
-        <p:sp>
-          <p:nvSpPr>
-            <p:cNvPr id="30" name="TextBox 29"/>
-            <p:cNvSpPr txBox="1"/>
-            <p:nvPr/>
-          </p:nvSpPr>
-          <p:spPr>
-            <a:xfrm>
-              <a:off x="6553198" y="3651562"/>
-              <a:ext cx="2152873" cy="307777"/>
-            </a:xfrm>
-            <a:prstGeom prst="rect">
-              <a:avLst/>
-            </a:prstGeom>
-            <a:noFill/>
-            <a:ln>
-              <a:solidFill>
-                <a:srgbClr val="B2B2B2"/>
-              </a:solidFill>
-            </a:ln>
-          </p:spPr>
-          <p:txBody>
-            <a:bodyPr wrap="none" rtlCol="0">
-              <a:spAutoFit/>
-            </a:bodyPr>
-            <a:lstStyle/>
-            <a:p>
-              <a:r>
-                <a:rPr lang="en-US" sz="1400" i="1" dirty="0" smtClean="0"/>
-                <a:t>(&gt;half a beat error)</a:t>
-              </a:r>
-              <a:endParaRPr lang="en-US" sz="1400" i="1" dirty="0"/>
-            </a:p>
-          </p:txBody>
-        </p:sp>
-        <p:cxnSp>
-          <p:nvCxnSpPr>
-            <p:cNvPr id="31" name="Straight Arrow Connector 30"/>
-            <p:cNvCxnSpPr/>
-            <p:nvPr/>
-          </p:nvCxnSpPr>
-          <p:spPr>
-            <a:xfrm flipH="1">
-              <a:off x="4800820" y="3809437"/>
-              <a:ext cx="1676180" cy="0"/>
-            </a:xfrm>
-            <a:prstGeom prst="straightConnector1">
-              <a:avLst/>
-            </a:prstGeom>
-            <a:ln w="38100">
-              <a:solidFill>
-                <a:srgbClr val="B2B2B2"/>
-              </a:solidFill>
-              <a:tailEnd type="oval"/>
-            </a:ln>
-          </p:spPr>
-          <p:style>
-            <a:lnRef idx="1">
-              <a:schemeClr val="accent1"/>
-            </a:lnRef>
-            <a:fillRef idx="0">
-              <a:schemeClr val="accent1"/>
-            </a:fillRef>
-            <a:effectRef idx="0">
-              <a:schemeClr val="accent1"/>
-            </a:effectRef>
-            <a:fontRef idx="minor">
-              <a:schemeClr val="tx1"/>
-            </a:fontRef>
-          </p:style>
-        </p:cxnSp>
-      </p:grpSp>
-      <p:grpSp>
-        <p:nvGrpSpPr>
-          <p:cNvPr id="32" name="Group 31"/>
-          <p:cNvGrpSpPr/>
-          <p:nvPr/>
-        </p:nvGrpSpPr>
-        <p:grpSpPr>
-          <a:xfrm>
-            <a:off x="5868850" y="828615"/>
-            <a:ext cx="2131274" cy="307777"/>
-            <a:chOff x="4800820" y="3651562"/>
-            <a:chExt cx="5303004" cy="307777"/>
-          </a:xfrm>
-        </p:grpSpPr>
-        <p:sp>
-          <p:nvSpPr>
-            <p:cNvPr id="33" name="TextBox 32"/>
-            <p:cNvSpPr txBox="1"/>
-            <p:nvPr/>
-          </p:nvSpPr>
-          <p:spPr>
-            <a:xfrm>
-              <a:off x="6553199" y="3651562"/>
-              <a:ext cx="3550625" cy="307777"/>
-            </a:xfrm>
-            <a:prstGeom prst="rect">
-              <a:avLst/>
-            </a:prstGeom>
-            <a:noFill/>
-            <a:ln>
-              <a:solidFill>
-                <a:srgbClr val="B2B2B2"/>
-              </a:solidFill>
-            </a:ln>
-          </p:spPr>
-          <p:txBody>
-            <a:bodyPr wrap="none" rtlCol="0">
-              <a:spAutoFit/>
-            </a:bodyPr>
-            <a:lstStyle/>
-            <a:p>
-              <a:r>
-                <a:rPr lang="en-US" sz="1400" i="1" dirty="0" smtClean="0"/>
-                <a:t>(maximum error)</a:t>
-              </a:r>
-              <a:endParaRPr lang="en-US" sz="1400" i="1" dirty="0"/>
-            </a:p>
-          </p:txBody>
-        </p:sp>
-        <p:cxnSp>
-          <p:nvCxnSpPr>
-            <p:cNvPr id="34" name="Straight Arrow Connector 33"/>
-            <p:cNvCxnSpPr/>
-            <p:nvPr/>
-          </p:nvCxnSpPr>
-          <p:spPr>
-            <a:xfrm flipH="1">
-              <a:off x="4800820" y="3809437"/>
-              <a:ext cx="1676180" cy="0"/>
-            </a:xfrm>
-            <a:prstGeom prst="straightConnector1">
-              <a:avLst/>
-            </a:prstGeom>
-            <a:ln w="38100">
-              <a:solidFill>
-                <a:srgbClr val="B2B2B2"/>
-              </a:solidFill>
-              <a:tailEnd type="oval"/>
-            </a:ln>
-          </p:spPr>
-          <p:style>
-            <a:lnRef idx="1">
-              <a:schemeClr val="accent1"/>
-            </a:lnRef>
-            <a:fillRef idx="0">
-              <a:schemeClr val="accent1"/>
-            </a:fillRef>
-            <a:effectRef idx="0">
-              <a:schemeClr val="accent1"/>
-            </a:effectRef>
-            <a:fontRef idx="minor">
-              <a:schemeClr val="tx1"/>
-            </a:fontRef>
-          </p:style>
-        </p:cxnSp>
-      </p:grpSp>
-      <p:sp>
-        <p:nvSpPr>
-          <p:cNvPr id="19" name="TextBox 18"/>
-          <p:cNvSpPr txBox="1"/>
-          <p:nvPr/>
-        </p:nvSpPr>
-        <p:spPr>
-          <a:xfrm>
-            <a:off x="383875" y="6057900"/>
-            <a:ext cx="8400417" cy="276999"/>
-          </a:xfrm>
-          <a:prstGeom prst="rect">
-            <a:avLst/>
-          </a:prstGeom>
-          <a:noFill/>
-        </p:spPr>
-        <p:txBody>
-          <a:bodyPr wrap="square" rtlCol="0">
+        <p:txBody>
+          <a:bodyPr wrap="none" rtlCol="0">
             <a:spAutoFit/>
           </a:bodyPr>
           <a:lstStyle/>
           <a:p>
             <a:r>
-              <a:rPr lang="en-US" sz="1200" dirty="0">
-                <a:hlinkClick r:id="rId7"/>
-              </a:rPr>
-              <a:t>https://</a:t>
-            </a:r>
-            <a:r>
-              <a:rPr lang="en-US" sz="1200" dirty="0" smtClean="0">
-                <a:hlinkClick r:id="rId7"/>
-              </a:rPr>
-              <a:t>www.native-instruments.com/forum/threads/how-to-emulate-elastic-beatgrids-in-traktor-via-rekordbox-conversion.375229</a:t>
-            </a:r>
-            <a:endParaRPr lang="en-US" sz="1200" dirty="0"/>
-          </a:p>
-        </p:txBody>
-      </p:sp>
+              <a:rPr lang="en-US" sz="1400" i="1" dirty="0" smtClean="0"/>
+              <a:t>Click here</a:t>
+            </a:r>
+            <a:endParaRPr lang="en-US" sz="1400" i="1" dirty="0"/>
+          </a:p>
+        </p:txBody>
+      </p:sp>
+      <p:cxnSp>
+        <p:nvCxnSpPr>
+          <p:cNvPr id="38" name="Straight Arrow Connector 37"/>
+          <p:cNvCxnSpPr/>
+          <p:nvPr/>
+        </p:nvCxnSpPr>
+        <p:spPr>
+          <a:xfrm flipV="1">
+            <a:off x="5486400" y="2728576"/>
+            <a:ext cx="0" cy="572969"/>
+          </a:xfrm>
+          <a:prstGeom prst="straightConnector1">
+            <a:avLst/>
+          </a:prstGeom>
+          <a:ln w="38100">
+            <a:solidFill>
+              <a:srgbClr val="C00000"/>
+            </a:solidFill>
+            <a:tailEnd type="oval"/>
+          </a:ln>
+        </p:spPr>
+        <p:style>
+          <a:lnRef idx="1">
+            <a:schemeClr val="accent1"/>
+          </a:lnRef>
+          <a:fillRef idx="0">
+            <a:schemeClr val="accent1"/>
+          </a:fillRef>
+          <a:effectRef idx="0">
+            <a:schemeClr val="accent1"/>
+          </a:effectRef>
+          <a:fontRef idx="minor">
+            <a:schemeClr val="tx1"/>
+          </a:fontRef>
+        </p:style>
+      </p:cxnSp>
     </p:spTree>
     <p:extLst>
       <p:ext uri="{BB962C8B-B14F-4D97-AF65-F5344CB8AC3E}">
-        <p14:creationId xmlns:p14="http://schemas.microsoft.com/office/powerpoint/2010/main" val="3141860709"/>
+        <p14:creationId xmlns:p14="http://schemas.microsoft.com/office/powerpoint/2010/main" val="2373413272"/>
       </p:ext>
     </p:extLst>
   </p:cSld>

--- a/traktor/pics/traktor_elastic_beatgrids.pptx
+++ b/traktor/pics/traktor_elastic_beatgrids.pptx
@@ -4013,8 +4013,8 @@
         </p:nvGrpSpPr>
         <p:grpSpPr>
           <a:xfrm>
-            <a:off x="2743200" y="96889"/>
-            <a:ext cx="4581166" cy="6279832"/>
+            <a:off x="1001801" y="734348"/>
+            <a:ext cx="4581166" cy="6061867"/>
             <a:chOff x="2393807" y="96889"/>
             <a:chExt cx="4581166" cy="6279832"/>
           </a:xfrm>
@@ -4304,7 +4304,11 @@
                 </a:r>
                 <a:r>
                   <a:rPr lang="en-US" sz="1200" b="1" dirty="0" smtClean="0"/>
-                  <a:t> Unsteady BPM</a:t>
+                  <a:t> </a:t>
+                </a:r>
+                <a:r>
+                  <a:rPr lang="en-US" sz="1200" b="1" dirty="0" smtClean="0"/>
+                  <a:t>Unsteady BPM</a:t>
                 </a:r>
               </a:p>
               <a:p>
@@ -4312,7 +4316,6 @@
                   <a:rPr lang="en-US" sz="1200" dirty="0" smtClean="0"/>
                   <a:t>(ignore files with multiple BPMs)</a:t>
                 </a:r>
-                <a:endParaRPr lang="en-US" sz="1200" dirty="0" smtClean="0"/>
               </a:p>
             </p:txBody>
           </p:sp>
@@ -5151,44 +5154,6 @@
           </p:txBody>
         </p:sp>
       </p:grpSp>
-      <p:sp>
-        <p:nvSpPr>
-          <p:cNvPr id="60" name="TextBox 59"/>
-          <p:cNvSpPr txBox="1"/>
-          <p:nvPr/>
-        </p:nvSpPr>
-        <p:spPr>
-          <a:xfrm>
-            <a:off x="383874" y="6477000"/>
-            <a:ext cx="8400417" cy="276999"/>
-          </a:xfrm>
-          <a:prstGeom prst="rect">
-            <a:avLst/>
-          </a:prstGeom>
-          <a:noFill/>
-        </p:spPr>
-        <p:txBody>
-          <a:bodyPr wrap="square" rtlCol="0">
-            <a:spAutoFit/>
-          </a:bodyPr>
-          <a:lstStyle/>
-          <a:p>
-            <a:r>
-              <a:rPr lang="en-US" sz="1200" dirty="0">
-                <a:hlinkClick r:id="rId12"/>
-              </a:rPr>
-              <a:t>https://</a:t>
-            </a:r>
-            <a:r>
-              <a:rPr lang="en-US" sz="1200" dirty="0" smtClean="0">
-                <a:hlinkClick r:id="rId12"/>
-              </a:rPr>
-              <a:t>www.native-instruments.com/forum/threads/how-to-emulate-elastic-beatgrids-in-traktor-via-rekordbox-conversion.375229</a:t>
-            </a:r>
-            <a:endParaRPr lang="en-US" sz="1200" dirty="0"/>
-          </a:p>
-        </p:txBody>
-      </p:sp>
     </p:spTree>
     <p:extLst>
       <p:ext uri="{BB962C8B-B14F-4D97-AF65-F5344CB8AC3E}">
@@ -5898,15 +5863,7 @@
                 </a:r>
                 <a:r>
                   <a:rPr lang="en-US" b="1" dirty="0" smtClean="0"/>
-                  <a:t> </a:t>
-                </a:r>
-                <a:r>
-                  <a:rPr lang="en-US" b="1" dirty="0" smtClean="0"/>
-                  <a:t>5.6.0 </a:t>
-                </a:r>
-                <a:r>
-                  <a:rPr lang="en-US" b="1" dirty="0" smtClean="0"/>
-                  <a:t>Free</a:t>
+                  <a:t> 5.6.0 Free</a:t>
                 </a:r>
                 <a:endParaRPr lang="en-US" b="1" dirty="0"/>
               </a:p>
@@ -5925,11 +5882,7 @@
               <a:p>
                 <a:r>
                   <a:rPr lang="en-US" b="1" dirty="0" smtClean="0"/>
-                  <a:t>Prune </a:t>
-                </a:r>
-                <a:r>
-                  <a:rPr lang="en-US" b="1" dirty="0" smtClean="0"/>
-                  <a:t>collection</a:t>
+                  <a:t>Prune collection</a:t>
                 </a:r>
               </a:p>
             </p:txBody>
@@ -6071,6 +6024,44 @@
               <a:t>(more accurate case)</a:t>
             </a:r>
             <a:endParaRPr lang="en-US" b="1" dirty="0"/>
+          </a:p>
+        </p:txBody>
+      </p:sp>
+      <p:sp>
+        <p:nvSpPr>
+          <p:cNvPr id="25" name="TextBox 24"/>
+          <p:cNvSpPr txBox="1"/>
+          <p:nvPr/>
+        </p:nvSpPr>
+        <p:spPr>
+          <a:xfrm>
+            <a:off x="383874" y="6477000"/>
+            <a:ext cx="8400417" cy="276999"/>
+          </a:xfrm>
+          <a:prstGeom prst="rect">
+            <a:avLst/>
+          </a:prstGeom>
+          <a:noFill/>
+        </p:spPr>
+        <p:txBody>
+          <a:bodyPr wrap="square" rtlCol="0">
+            <a:spAutoFit/>
+          </a:bodyPr>
+          <a:lstStyle/>
+          <a:p>
+            <a:r>
+              <a:rPr lang="en-US" sz="1200" dirty="0">
+                <a:hlinkClick r:id="rId4"/>
+              </a:rPr>
+              <a:t>https://</a:t>
+            </a:r>
+            <a:r>
+              <a:rPr lang="en-US" sz="1200" dirty="0" smtClean="0">
+                <a:hlinkClick r:id="rId4"/>
+              </a:rPr>
+              <a:t>www.native-instruments.com/forum/threads/how-to-emulate-elastic-beatgrids-in-traktor-via-rekordbox-conversion.375229</a:t>
+            </a:r>
+            <a:endParaRPr lang="en-US" sz="1200" dirty="0"/>
           </a:p>
         </p:txBody>
       </p:sp>
